--- a/docs/source/other/diagram.pptx
+++ b/docs/source/other/diagram.pptx
@@ -261,7 +261,7 @@
           <a:p>
             <a:fld id="{47BDA715-F297-4399-B044-0FA08EB3428C}" type="datetimeFigureOut">
               <a:rPr lang="en-US" smtClean="0"/>
-              <a:t>9/22/2022</a:t>
+              <a:t>11/14/2022</a:t>
             </a:fld>
             <a:endParaRPr lang="en-US"/>
           </a:p>
@@ -461,7 +461,7 @@
           <a:p>
             <a:fld id="{47BDA715-F297-4399-B044-0FA08EB3428C}" type="datetimeFigureOut">
               <a:rPr lang="en-US" smtClean="0"/>
-              <a:t>9/22/2022</a:t>
+              <a:t>11/14/2022</a:t>
             </a:fld>
             <a:endParaRPr lang="en-US"/>
           </a:p>
@@ -671,7 +671,7 @@
           <a:p>
             <a:fld id="{47BDA715-F297-4399-B044-0FA08EB3428C}" type="datetimeFigureOut">
               <a:rPr lang="en-US" smtClean="0"/>
-              <a:t>9/22/2022</a:t>
+              <a:t>11/14/2022</a:t>
             </a:fld>
             <a:endParaRPr lang="en-US"/>
           </a:p>
@@ -871,7 +871,7 @@
           <a:p>
             <a:fld id="{47BDA715-F297-4399-B044-0FA08EB3428C}" type="datetimeFigureOut">
               <a:rPr lang="en-US" smtClean="0"/>
-              <a:t>9/22/2022</a:t>
+              <a:t>11/14/2022</a:t>
             </a:fld>
             <a:endParaRPr lang="en-US"/>
           </a:p>
@@ -1147,7 +1147,7 @@
           <a:p>
             <a:fld id="{47BDA715-F297-4399-B044-0FA08EB3428C}" type="datetimeFigureOut">
               <a:rPr lang="en-US" smtClean="0"/>
-              <a:t>9/22/2022</a:t>
+              <a:t>11/14/2022</a:t>
             </a:fld>
             <a:endParaRPr lang="en-US"/>
           </a:p>
@@ -1415,7 +1415,7 @@
           <a:p>
             <a:fld id="{47BDA715-F297-4399-B044-0FA08EB3428C}" type="datetimeFigureOut">
               <a:rPr lang="en-US" smtClean="0"/>
-              <a:t>9/22/2022</a:t>
+              <a:t>11/14/2022</a:t>
             </a:fld>
             <a:endParaRPr lang="en-US"/>
           </a:p>
@@ -1830,7 +1830,7 @@
           <a:p>
             <a:fld id="{47BDA715-F297-4399-B044-0FA08EB3428C}" type="datetimeFigureOut">
               <a:rPr lang="en-US" smtClean="0"/>
-              <a:t>9/22/2022</a:t>
+              <a:t>11/14/2022</a:t>
             </a:fld>
             <a:endParaRPr lang="en-US"/>
           </a:p>
@@ -1972,7 +1972,7 @@
           <a:p>
             <a:fld id="{47BDA715-F297-4399-B044-0FA08EB3428C}" type="datetimeFigureOut">
               <a:rPr lang="en-US" smtClean="0"/>
-              <a:t>9/22/2022</a:t>
+              <a:t>11/14/2022</a:t>
             </a:fld>
             <a:endParaRPr lang="en-US"/>
           </a:p>
@@ -2085,7 +2085,7 @@
           <a:p>
             <a:fld id="{47BDA715-F297-4399-B044-0FA08EB3428C}" type="datetimeFigureOut">
               <a:rPr lang="en-US" smtClean="0"/>
-              <a:t>9/22/2022</a:t>
+              <a:t>11/14/2022</a:t>
             </a:fld>
             <a:endParaRPr lang="en-US"/>
           </a:p>
@@ -2398,7 +2398,7 @@
           <a:p>
             <a:fld id="{47BDA715-F297-4399-B044-0FA08EB3428C}" type="datetimeFigureOut">
               <a:rPr lang="en-US" smtClean="0"/>
-              <a:t>9/22/2022</a:t>
+              <a:t>11/14/2022</a:t>
             </a:fld>
             <a:endParaRPr lang="en-US"/>
           </a:p>
@@ -2687,7 +2687,7 @@
           <a:p>
             <a:fld id="{47BDA715-F297-4399-B044-0FA08EB3428C}" type="datetimeFigureOut">
               <a:rPr lang="en-US" smtClean="0"/>
-              <a:t>9/22/2022</a:t>
+              <a:t>11/14/2022</a:t>
             </a:fld>
             <a:endParaRPr lang="en-US"/>
           </a:p>
@@ -2930,7 +2930,7 @@
           <a:p>
             <a:fld id="{47BDA715-F297-4399-B044-0FA08EB3428C}" type="datetimeFigureOut">
               <a:rPr lang="en-US" smtClean="0"/>
-              <a:t>9/22/2022</a:t>
+              <a:t>11/14/2022</a:t>
             </a:fld>
             <a:endParaRPr lang="en-US"/>
           </a:p>
@@ -3367,6 +3367,13 @@
           <a:prstGeom prst="ellipse">
             <a:avLst/>
           </a:prstGeom>
+          <a:ln>
+            <a:solidFill>
+              <a:schemeClr val="accent1">
+                <a:lumMod val="75000"/>
+              </a:schemeClr>
+            </a:solidFill>
+          </a:ln>
         </p:spPr>
         <p:style>
           <a:lnRef idx="2">
@@ -3411,7 +3418,7 @@
         </p:nvSpPr>
         <p:spPr>
           <a:xfrm>
-            <a:off x="3456268" y="608051"/>
+            <a:off x="3955134" y="628327"/>
             <a:ext cx="2360645" cy="1287625"/>
           </a:xfrm>
           <a:prstGeom prst="ellipse">
@@ -3510,9 +3517,9 @@
           <p:nvPr/>
         </p:nvSpPr>
         <p:spPr>
-          <a:xfrm>
-            <a:off x="3333756" y="1694043"/>
-            <a:ext cx="3081081" cy="1030892"/>
+          <a:xfrm rot="20910060">
+            <a:off x="2677311" y="1631712"/>
+            <a:ext cx="2422723" cy="1030892"/>
           </a:xfrm>
           <a:prstGeom prst="ellipse">
             <a:avLst/>
@@ -3626,13 +3633,23 @@
           <p:nvPr/>
         </p:nvSpPr>
         <p:spPr>
-          <a:xfrm rot="20046962">
-            <a:off x="8870233" y="363017"/>
+          <a:xfrm rot="20975853">
+            <a:off x="8667942" y="427150"/>
             <a:ext cx="1997654" cy="441083"/>
           </a:xfrm>
           <a:prstGeom prst="ellipse">
             <a:avLst/>
           </a:prstGeom>
+          <a:solidFill>
+            <a:schemeClr val="accent1"/>
+          </a:solidFill>
+          <a:ln>
+            <a:solidFill>
+              <a:schemeClr val="accent1">
+                <a:lumMod val="75000"/>
+              </a:schemeClr>
+            </a:solidFill>
+          </a:ln>
         </p:spPr>
         <p:style>
           <a:lnRef idx="2">
@@ -3657,7 +3674,7 @@
             <a:pPr algn="ctr"/>
             <a:r>
               <a:rPr lang="fr-FR" sz="1200" dirty="0" err="1"/>
-              <a:t>oimComponents</a:t>
+              <a:t>oimComponent</a:t>
             </a:r>
             <a:endParaRPr lang="en-US" sz="1200" dirty="0"/>
           </a:p>
@@ -3676,13 +3693,23 @@
           <p:nvPr/>
         </p:nvSpPr>
         <p:spPr>
-          <a:xfrm rot="20896524">
-            <a:off x="9004021" y="793012"/>
+          <a:xfrm>
+            <a:off x="8687699" y="862645"/>
             <a:ext cx="1997654" cy="441083"/>
           </a:xfrm>
           <a:prstGeom prst="ellipse">
             <a:avLst/>
           </a:prstGeom>
+          <a:solidFill>
+            <a:schemeClr val="accent1"/>
+          </a:solidFill>
+          <a:ln>
+            <a:solidFill>
+              <a:schemeClr val="accent1">
+                <a:lumMod val="75000"/>
+              </a:schemeClr>
+            </a:solidFill>
+          </a:ln>
         </p:spPr>
         <p:style>
           <a:lnRef idx="2">
@@ -3707,7 +3734,7 @@
             <a:pPr algn="ctr"/>
             <a:r>
               <a:rPr lang="fr-FR" sz="1200" dirty="0" err="1"/>
-              <a:t>oimComponents</a:t>
+              <a:t>oimComponent</a:t>
             </a:r>
             <a:endParaRPr lang="en-US" sz="1200" dirty="0"/>
           </a:p>
@@ -3726,13 +3753,23 @@
           <p:nvPr/>
         </p:nvSpPr>
         <p:spPr>
-          <a:xfrm>
-            <a:off x="8952061" y="1216284"/>
+          <a:xfrm rot="320529">
+            <a:off x="8781475" y="1314605"/>
             <a:ext cx="1997654" cy="441083"/>
           </a:xfrm>
           <a:prstGeom prst="ellipse">
             <a:avLst/>
           </a:prstGeom>
+          <a:solidFill>
+            <a:schemeClr val="accent1"/>
+          </a:solidFill>
+          <a:ln>
+            <a:solidFill>
+              <a:schemeClr val="accent1">
+                <a:lumMod val="75000"/>
+              </a:schemeClr>
+            </a:solidFill>
+          </a:ln>
         </p:spPr>
         <p:style>
           <a:lnRef idx="2">
@@ -3757,7 +3794,7 @@
             <a:pPr algn="ctr"/>
             <a:r>
               <a:rPr lang="fr-FR" sz="1200" dirty="0" err="1"/>
-              <a:t>oimComponents</a:t>
+              <a:t>oimComponent</a:t>
             </a:r>
             <a:endParaRPr lang="en-US" sz="1200" dirty="0"/>
           </a:p>
@@ -3765,10 +3802,10 @@
       </p:sp>
       <p:sp>
         <p:nvSpPr>
-          <p:cNvPr id="13" name="Ellipse 12">
-            <a:extLst>
-              <a:ext uri="{FF2B5EF4-FFF2-40B4-BE49-F238E27FC236}">
-                <a16:creationId xmlns:a16="http://schemas.microsoft.com/office/drawing/2014/main" id="{39DDB17D-3EDA-4188-8747-3483A805D6AE}"/>
+          <p:cNvPr id="18" name="Ellipse 17">
+            <a:extLst>
+              <a:ext uri="{FF2B5EF4-FFF2-40B4-BE49-F238E27FC236}">
+                <a16:creationId xmlns:a16="http://schemas.microsoft.com/office/drawing/2014/main" id="{2DE766CF-FDB3-4215-8B96-6D7479CFF304}"/>
               </a:ext>
             </a:extLst>
           </p:cNvPr>
@@ -3776,8 +3813,374 @@
           <p:nvPr/>
         </p:nvSpPr>
         <p:spPr>
-          <a:xfrm rot="813267">
-            <a:off x="8842439" y="1648521"/>
+          <a:xfrm>
+            <a:off x="641823" y="2092216"/>
+            <a:ext cx="2421775" cy="340370"/>
+          </a:xfrm>
+          <a:prstGeom prst="ellipse">
+            <a:avLst/>
+          </a:prstGeom>
+        </p:spPr>
+        <p:style>
+          <a:lnRef idx="2">
+            <a:schemeClr val="accent5">
+              <a:shade val="50000"/>
+            </a:schemeClr>
+          </a:lnRef>
+          <a:fillRef idx="1">
+            <a:schemeClr val="accent5"/>
+          </a:fillRef>
+          <a:effectRef idx="0">
+            <a:schemeClr val="accent5"/>
+          </a:effectRef>
+          <a:fontRef idx="minor">
+            <a:schemeClr val="lt1"/>
+          </a:fontRef>
+        </p:style>
+        <p:txBody>
+          <a:bodyPr rtlCol="0" anchor="ctr"/>
+          <a:lstStyle/>
+          <a:p>
+            <a:pPr algn="ctr"/>
+            <a:r>
+              <a:rPr lang="fr-FR" sz="1200" dirty="0" err="1"/>
+              <a:t>oimFilterComponent</a:t>
+            </a:r>
+            <a:endParaRPr lang="fr-FR" sz="1200" dirty="0"/>
+          </a:p>
+        </p:txBody>
+      </p:sp>
+      <p:sp>
+        <p:nvSpPr>
+          <p:cNvPr id="20" name="Ellipse 19">
+            <a:extLst>
+              <a:ext uri="{FF2B5EF4-FFF2-40B4-BE49-F238E27FC236}">
+                <a16:creationId xmlns:a16="http://schemas.microsoft.com/office/drawing/2014/main" id="{8E1F15A7-F8F9-44AB-8CEC-8ABCF614D3E9}"/>
+              </a:ext>
+            </a:extLst>
+          </p:cNvPr>
+          <p:cNvSpPr/>
+          <p:nvPr/>
+        </p:nvSpPr>
+        <p:spPr>
+          <a:xfrm rot="21264969">
+            <a:off x="853501" y="2452485"/>
+            <a:ext cx="2421775" cy="340370"/>
+          </a:xfrm>
+          <a:prstGeom prst="ellipse">
+            <a:avLst/>
+          </a:prstGeom>
+        </p:spPr>
+        <p:style>
+          <a:lnRef idx="2">
+            <a:schemeClr val="accent5">
+              <a:shade val="50000"/>
+            </a:schemeClr>
+          </a:lnRef>
+          <a:fillRef idx="1">
+            <a:schemeClr val="accent5"/>
+          </a:fillRef>
+          <a:effectRef idx="0">
+            <a:schemeClr val="accent5"/>
+          </a:effectRef>
+          <a:fontRef idx="minor">
+            <a:schemeClr val="lt1"/>
+          </a:fontRef>
+        </p:style>
+        <p:txBody>
+          <a:bodyPr rtlCol="0" anchor="ctr"/>
+          <a:lstStyle/>
+          <a:p>
+            <a:pPr algn="ctr"/>
+            <a:r>
+              <a:rPr lang="fr-FR" sz="1200" dirty="0" err="1"/>
+              <a:t>oimFilterComponent</a:t>
+            </a:r>
+            <a:endParaRPr lang="fr-FR" sz="1200" dirty="0"/>
+          </a:p>
+        </p:txBody>
+      </p:sp>
+      <p:sp>
+        <p:nvSpPr>
+          <p:cNvPr id="21" name="Ellipse 20">
+            <a:extLst>
+              <a:ext uri="{FF2B5EF4-FFF2-40B4-BE49-F238E27FC236}">
+                <a16:creationId xmlns:a16="http://schemas.microsoft.com/office/drawing/2014/main" id="{920F9A9A-78D7-4FBF-A6B6-F8A9FF2A01CC}"/>
+              </a:ext>
+            </a:extLst>
+          </p:cNvPr>
+          <p:cNvSpPr/>
+          <p:nvPr/>
+        </p:nvSpPr>
+        <p:spPr>
+          <a:xfrm rot="20797526">
+            <a:off x="1066870" y="2770221"/>
+            <a:ext cx="2421775" cy="340370"/>
+          </a:xfrm>
+          <a:prstGeom prst="ellipse">
+            <a:avLst/>
+          </a:prstGeom>
+        </p:spPr>
+        <p:style>
+          <a:lnRef idx="2">
+            <a:schemeClr val="accent5">
+              <a:shade val="50000"/>
+            </a:schemeClr>
+          </a:lnRef>
+          <a:fillRef idx="1">
+            <a:schemeClr val="accent5"/>
+          </a:fillRef>
+          <a:effectRef idx="0">
+            <a:schemeClr val="accent5"/>
+          </a:effectRef>
+          <a:fontRef idx="minor">
+            <a:schemeClr val="lt1"/>
+          </a:fontRef>
+        </p:style>
+        <p:txBody>
+          <a:bodyPr rtlCol="0" anchor="ctr"/>
+          <a:lstStyle/>
+          <a:p>
+            <a:pPr algn="ctr"/>
+            <a:r>
+              <a:rPr lang="fr-FR" sz="1200" dirty="0" err="1"/>
+              <a:t>oimFilterComponent</a:t>
+            </a:r>
+            <a:endParaRPr lang="fr-FR" sz="1200" dirty="0"/>
+          </a:p>
+        </p:txBody>
+      </p:sp>
+      <p:sp>
+        <p:nvSpPr>
+          <p:cNvPr id="22" name="Ellipse 21">
+            <a:extLst>
+              <a:ext uri="{FF2B5EF4-FFF2-40B4-BE49-F238E27FC236}">
+                <a16:creationId xmlns:a16="http://schemas.microsoft.com/office/drawing/2014/main" id="{79725351-B81C-46CD-BFD6-5A028F19F6CC}"/>
+              </a:ext>
+            </a:extLst>
+          </p:cNvPr>
+          <p:cNvSpPr/>
+          <p:nvPr/>
+        </p:nvSpPr>
+        <p:spPr>
+          <a:xfrm rot="20675642">
+            <a:off x="7917284" y="3104112"/>
+            <a:ext cx="1997654" cy="441083"/>
+          </a:xfrm>
+          <a:prstGeom prst="ellipse">
+            <a:avLst/>
+          </a:prstGeom>
+        </p:spPr>
+        <p:style>
+          <a:lnRef idx="2">
+            <a:schemeClr val="accent6">
+              <a:shade val="50000"/>
+            </a:schemeClr>
+          </a:lnRef>
+          <a:fillRef idx="1">
+            <a:schemeClr val="accent6"/>
+          </a:fillRef>
+          <a:effectRef idx="0">
+            <a:schemeClr val="accent6"/>
+          </a:effectRef>
+          <a:fontRef idx="minor">
+            <a:schemeClr val="lt1"/>
+          </a:fontRef>
+        </p:style>
+        <p:txBody>
+          <a:bodyPr rtlCol="0" anchor="ctr"/>
+          <a:lstStyle/>
+          <a:p>
+            <a:pPr algn="ctr"/>
+            <a:r>
+              <a:rPr lang="fr-FR" sz="1200" dirty="0" err="1"/>
+              <a:t>Simulated</a:t>
+            </a:r>
+            <a:r>
+              <a:rPr lang="fr-FR" sz="1200" dirty="0"/>
+              <a:t> Data</a:t>
+            </a:r>
+            <a:endParaRPr lang="en-US" sz="1200" dirty="0"/>
+          </a:p>
+        </p:txBody>
+      </p:sp>
+      <p:sp>
+        <p:nvSpPr>
+          <p:cNvPr id="23" name="Ellipse 22">
+            <a:extLst>
+              <a:ext uri="{FF2B5EF4-FFF2-40B4-BE49-F238E27FC236}">
+                <a16:creationId xmlns:a16="http://schemas.microsoft.com/office/drawing/2014/main" id="{0FAE3FE3-0EF6-459E-BEEC-09E957CAE7F5}"/>
+              </a:ext>
+            </a:extLst>
+          </p:cNvPr>
+          <p:cNvSpPr/>
+          <p:nvPr/>
+        </p:nvSpPr>
+        <p:spPr>
+          <a:xfrm>
+            <a:off x="7956730" y="3565899"/>
+            <a:ext cx="1997654" cy="441083"/>
+          </a:xfrm>
+          <a:prstGeom prst="ellipse">
+            <a:avLst/>
+          </a:prstGeom>
+        </p:spPr>
+        <p:style>
+          <a:lnRef idx="2">
+            <a:schemeClr val="accent6">
+              <a:shade val="50000"/>
+            </a:schemeClr>
+          </a:lnRef>
+          <a:fillRef idx="1">
+            <a:schemeClr val="accent6"/>
+          </a:fillRef>
+          <a:effectRef idx="0">
+            <a:schemeClr val="accent6"/>
+          </a:effectRef>
+          <a:fontRef idx="minor">
+            <a:schemeClr val="lt1"/>
+          </a:fontRef>
+        </p:style>
+        <p:txBody>
+          <a:bodyPr rtlCol="0" anchor="ctr"/>
+          <a:lstStyle/>
+          <a:p>
+            <a:pPr algn="ctr"/>
+            <a:r>
+              <a:rPr lang="fr-FR" sz="1200" dirty="0"/>
+              <a:t>Data/Model </a:t>
+            </a:r>
+            <a:r>
+              <a:rPr lang="el-GR" sz="1200" dirty="0"/>
+              <a:t>χ</a:t>
+            </a:r>
+            <a:r>
+              <a:rPr lang="fr-FR" sz="1200" dirty="0"/>
+              <a:t>²</a:t>
+            </a:r>
+            <a:endParaRPr lang="en-US" sz="1200" dirty="0"/>
+          </a:p>
+        </p:txBody>
+      </p:sp>
+      <p:sp>
+        <p:nvSpPr>
+          <p:cNvPr id="24" name="Ellipse 23">
+            <a:extLst>
+              <a:ext uri="{FF2B5EF4-FFF2-40B4-BE49-F238E27FC236}">
+                <a16:creationId xmlns:a16="http://schemas.microsoft.com/office/drawing/2014/main" id="{2ECCCAA9-6387-43B5-B75A-22109A69944D}"/>
+              </a:ext>
+            </a:extLst>
+          </p:cNvPr>
+          <p:cNvSpPr/>
+          <p:nvPr/>
+        </p:nvSpPr>
+        <p:spPr>
+          <a:xfrm>
+            <a:off x="5072297" y="5865868"/>
+            <a:ext cx="1997654" cy="441083"/>
+          </a:xfrm>
+          <a:prstGeom prst="ellipse">
+            <a:avLst/>
+          </a:prstGeom>
+        </p:spPr>
+        <p:style>
+          <a:lnRef idx="2">
+            <a:schemeClr val="accent6">
+              <a:shade val="50000"/>
+            </a:schemeClr>
+          </a:lnRef>
+          <a:fillRef idx="1">
+            <a:schemeClr val="accent6"/>
+          </a:fillRef>
+          <a:effectRef idx="0">
+            <a:schemeClr val="accent6"/>
+          </a:effectRef>
+          <a:fontRef idx="minor">
+            <a:schemeClr val="lt1"/>
+          </a:fontRef>
+        </p:style>
+        <p:txBody>
+          <a:bodyPr rtlCol="0" anchor="ctr"/>
+          <a:lstStyle/>
+          <a:p>
+            <a:pPr algn="ctr"/>
+            <a:r>
+              <a:rPr lang="fr-FR" sz="1200" dirty="0"/>
+              <a:t>Best model + </a:t>
+            </a:r>
+            <a:r>
+              <a:rPr lang="fr-FR" sz="1200" dirty="0" err="1"/>
+              <a:t>uncertainties</a:t>
+            </a:r>
+            <a:endParaRPr lang="en-US" sz="1200" dirty="0"/>
+          </a:p>
+        </p:txBody>
+      </p:sp>
+      <p:sp>
+        <p:nvSpPr>
+          <p:cNvPr id="25" name="Ellipse 24">
+            <a:extLst>
+              <a:ext uri="{FF2B5EF4-FFF2-40B4-BE49-F238E27FC236}">
+                <a16:creationId xmlns:a16="http://schemas.microsoft.com/office/drawing/2014/main" id="{6DD947FE-8AEB-431E-AACE-84A6A07DE7D0}"/>
+              </a:ext>
+            </a:extLst>
+          </p:cNvPr>
+          <p:cNvSpPr/>
+          <p:nvPr/>
+        </p:nvSpPr>
+        <p:spPr>
+          <a:xfrm rot="653080">
+            <a:off x="7827709" y="3966214"/>
+            <a:ext cx="1997654" cy="441083"/>
+          </a:xfrm>
+          <a:prstGeom prst="ellipse">
+            <a:avLst/>
+          </a:prstGeom>
+        </p:spPr>
+        <p:style>
+          <a:lnRef idx="2">
+            <a:schemeClr val="accent6">
+              <a:shade val="50000"/>
+            </a:schemeClr>
+          </a:lnRef>
+          <a:fillRef idx="1">
+            <a:schemeClr val="accent6"/>
+          </a:fillRef>
+          <a:effectRef idx="0">
+            <a:schemeClr val="accent6"/>
+          </a:effectRef>
+          <a:fontRef idx="minor">
+            <a:schemeClr val="lt1"/>
+          </a:fontRef>
+        </p:style>
+        <p:txBody>
+          <a:bodyPr rtlCol="0" anchor="ctr"/>
+          <a:lstStyle/>
+          <a:p>
+            <a:pPr algn="ctr"/>
+            <a:r>
+              <a:rPr lang="fr-FR" sz="1200" dirty="0"/>
+              <a:t>Data/Model plots</a:t>
+            </a:r>
+            <a:endParaRPr lang="en-US" sz="1200" dirty="0"/>
+          </a:p>
+        </p:txBody>
+      </p:sp>
+      <p:sp>
+        <p:nvSpPr>
+          <p:cNvPr id="26" name="Ellipse 25">
+            <a:extLst>
+              <a:ext uri="{FF2B5EF4-FFF2-40B4-BE49-F238E27FC236}">
+                <a16:creationId xmlns:a16="http://schemas.microsoft.com/office/drawing/2014/main" id="{55A945BD-BD29-4CF5-BB4D-C103C59C5A48}"/>
+              </a:ext>
+            </a:extLst>
+          </p:cNvPr>
+          <p:cNvSpPr/>
+          <p:nvPr/>
+        </p:nvSpPr>
+        <p:spPr>
+          <a:xfrm rot="1077266">
+            <a:off x="2297100" y="417153"/>
             <a:ext cx="1997654" cy="441083"/>
           </a:xfrm>
           <a:prstGeom prst="ellipse">
@@ -3807,7 +4210,11 @@
             <a:pPr algn="ctr"/>
             <a:r>
               <a:rPr lang="fr-FR" sz="1200" dirty="0" err="1"/>
-              <a:t>oimComponents</a:t>
+              <a:t>Oifits</a:t>
+            </a:r>
+            <a:r>
+              <a:rPr lang="fr-FR" sz="1200" dirty="0"/>
+              <a:t> file</a:t>
             </a:r>
             <a:endParaRPr lang="en-US" sz="1200" dirty="0"/>
           </a:p>
@@ -3815,10 +4222,10 @@
       </p:sp>
       <p:sp>
         <p:nvSpPr>
-          <p:cNvPr id="18" name="Ellipse 17">
-            <a:extLst>
-              <a:ext uri="{FF2B5EF4-FFF2-40B4-BE49-F238E27FC236}">
-                <a16:creationId xmlns:a16="http://schemas.microsoft.com/office/drawing/2014/main" id="{2DE766CF-FDB3-4215-8B96-6D7479CFF304}"/>
+          <p:cNvPr id="28" name="Ellipse 27">
+            <a:extLst>
+              <a:ext uri="{FF2B5EF4-FFF2-40B4-BE49-F238E27FC236}">
+                <a16:creationId xmlns:a16="http://schemas.microsoft.com/office/drawing/2014/main" id="{4BACFBA4-D73D-4E1C-ADBF-1AA4BB79130A}"/>
               </a:ext>
             </a:extLst>
           </p:cNvPr>
@@ -3827,8 +4234,8 @@
         </p:nvSpPr>
         <p:spPr>
           <a:xfrm>
-            <a:off x="1524180" y="1958849"/>
-            <a:ext cx="2421775" cy="340370"/>
+            <a:off x="2333981" y="3429000"/>
+            <a:ext cx="2360645" cy="1287625"/>
           </a:xfrm>
           <a:prstGeom prst="ellipse">
             <a:avLst/>
@@ -3856,19 +4263,19 @@
           <a:p>
             <a:pPr algn="ctr"/>
             <a:r>
-              <a:rPr lang="fr-FR" sz="1200" dirty="0" err="1"/>
-              <a:t>oimFilterComponent</a:t>
-            </a:r>
-            <a:endParaRPr lang="fr-FR" sz="1200" dirty="0"/>
-          </a:p>
-        </p:txBody>
-      </p:sp>
-      <p:sp>
-        <p:nvSpPr>
-          <p:cNvPr id="20" name="Ellipse 19">
-            <a:extLst>
-              <a:ext uri="{FF2B5EF4-FFF2-40B4-BE49-F238E27FC236}">
-                <a16:creationId xmlns:a16="http://schemas.microsoft.com/office/drawing/2014/main" id="{8E1F15A7-F8F9-44AB-8CEC-8ABCF614D3E9}"/>
+              <a:rPr lang="fr-FR" dirty="0" err="1"/>
+              <a:t>oimUtils</a:t>
+            </a:r>
+            <a:endParaRPr lang="en-US" dirty="0"/>
+          </a:p>
+        </p:txBody>
+      </p:sp>
+      <p:sp>
+        <p:nvSpPr>
+          <p:cNvPr id="29" name="Ellipse 28">
+            <a:extLst>
+              <a:ext uri="{FF2B5EF4-FFF2-40B4-BE49-F238E27FC236}">
+                <a16:creationId xmlns:a16="http://schemas.microsoft.com/office/drawing/2014/main" id="{D9554D4C-0A19-4018-9AB0-12DA159A193C}"/>
               </a:ext>
             </a:extLst>
           </p:cNvPr>
@@ -3876,9 +4283,9 @@
           <p:nvPr/>
         </p:nvSpPr>
         <p:spPr>
-          <a:xfrm rot="21264969">
-            <a:off x="1556866" y="2266591"/>
-            <a:ext cx="2421775" cy="340370"/>
+          <a:xfrm>
+            <a:off x="2332683" y="4854006"/>
+            <a:ext cx="2360645" cy="1287625"/>
           </a:xfrm>
           <a:prstGeom prst="ellipse">
             <a:avLst/>
@@ -3906,19 +4313,19 @@
           <a:p>
             <a:pPr algn="ctr"/>
             <a:r>
-              <a:rPr lang="fr-FR" sz="1200" dirty="0" err="1"/>
-              <a:t>oimFilterComponent</a:t>
-            </a:r>
-            <a:endParaRPr lang="fr-FR" sz="1200" dirty="0"/>
-          </a:p>
-        </p:txBody>
-      </p:sp>
-      <p:sp>
-        <p:nvSpPr>
-          <p:cNvPr id="21" name="Ellipse 20">
-            <a:extLst>
-              <a:ext uri="{FF2B5EF4-FFF2-40B4-BE49-F238E27FC236}">
-                <a16:creationId xmlns:a16="http://schemas.microsoft.com/office/drawing/2014/main" id="{920F9A9A-78D7-4FBF-A6B6-F8A9FF2A01CC}"/>
+              <a:rPr lang="fr-FR" dirty="0" err="1"/>
+              <a:t>oimPlots</a:t>
+            </a:r>
+            <a:endParaRPr lang="en-US" dirty="0"/>
+          </a:p>
+        </p:txBody>
+      </p:sp>
+      <p:sp>
+        <p:nvSpPr>
+          <p:cNvPr id="30" name="Ellipse 29">
+            <a:extLst>
+              <a:ext uri="{FF2B5EF4-FFF2-40B4-BE49-F238E27FC236}">
+                <a16:creationId xmlns:a16="http://schemas.microsoft.com/office/drawing/2014/main" id="{4798CA12-74FB-490E-8183-EC55BA52DA3D}"/>
               </a:ext>
             </a:extLst>
           </p:cNvPr>
@@ -3926,9 +4333,277 @@
           <p:nvPr/>
         </p:nvSpPr>
         <p:spPr>
-          <a:xfrm rot="20797526">
-            <a:off x="1629805" y="2583866"/>
-            <a:ext cx="2421775" cy="340370"/>
+          <a:xfrm>
+            <a:off x="7135069" y="5865868"/>
+            <a:ext cx="1997654" cy="441083"/>
+          </a:xfrm>
+          <a:prstGeom prst="ellipse">
+            <a:avLst/>
+          </a:prstGeom>
+        </p:spPr>
+        <p:style>
+          <a:lnRef idx="2">
+            <a:schemeClr val="accent6">
+              <a:shade val="50000"/>
+            </a:schemeClr>
+          </a:lnRef>
+          <a:fillRef idx="1">
+            <a:schemeClr val="accent6"/>
+          </a:fillRef>
+          <a:effectRef idx="0">
+            <a:schemeClr val="accent6"/>
+          </a:effectRef>
+          <a:fontRef idx="minor">
+            <a:schemeClr val="lt1"/>
+          </a:fontRef>
+        </p:style>
+        <p:txBody>
+          <a:bodyPr rtlCol="0" anchor="ctr"/>
+          <a:lstStyle/>
+          <a:p>
+            <a:pPr algn="ctr"/>
+            <a:r>
+              <a:rPr lang="fr-FR" sz="1200" dirty="0" err="1"/>
+              <a:t>Fitting</a:t>
+            </a:r>
+            <a:r>
+              <a:rPr lang="fr-FR" sz="1200" dirty="0"/>
+              <a:t> process </a:t>
+            </a:r>
+          </a:p>
+          <a:p>
+            <a:pPr algn="ctr"/>
+            <a:r>
+              <a:rPr lang="fr-FR" sz="1200" dirty="0"/>
+              <a:t>and </a:t>
+            </a:r>
+            <a:r>
+              <a:rPr lang="fr-FR" sz="1200" dirty="0" err="1"/>
+              <a:t>results</a:t>
+            </a:r>
+            <a:r>
+              <a:rPr lang="fr-FR" sz="1200" dirty="0"/>
+              <a:t> plots</a:t>
+            </a:r>
+            <a:endParaRPr lang="en-US" sz="1200" dirty="0"/>
+          </a:p>
+        </p:txBody>
+      </p:sp>
+      <p:sp>
+        <p:nvSpPr>
+          <p:cNvPr id="31" name="Flèche : bas 30">
+            <a:extLst>
+              <a:ext uri="{FF2B5EF4-FFF2-40B4-BE49-F238E27FC236}">
+                <a16:creationId xmlns:a16="http://schemas.microsoft.com/office/drawing/2014/main" id="{02527DB3-129F-46C6-938D-1D095742A131}"/>
+              </a:ext>
+            </a:extLst>
+          </p:cNvPr>
+          <p:cNvSpPr/>
+          <p:nvPr/>
+        </p:nvSpPr>
+        <p:spPr>
+          <a:xfrm rot="1242181">
+            <a:off x="7084043" y="1748544"/>
+            <a:ext cx="368985" cy="1301150"/>
+          </a:xfrm>
+          <a:prstGeom prst="downArrow">
+            <a:avLst/>
+          </a:prstGeom>
+          <a:solidFill>
+            <a:schemeClr val="accent1">
+              <a:alpha val="50000"/>
+            </a:schemeClr>
+          </a:solidFill>
+        </p:spPr>
+        <p:style>
+          <a:lnRef idx="2">
+            <a:schemeClr val="accent1">
+              <a:shade val="50000"/>
+            </a:schemeClr>
+          </a:lnRef>
+          <a:fillRef idx="1">
+            <a:schemeClr val="accent1"/>
+          </a:fillRef>
+          <a:effectRef idx="0">
+            <a:schemeClr val="accent1"/>
+          </a:effectRef>
+          <a:fontRef idx="minor">
+            <a:schemeClr val="lt1"/>
+          </a:fontRef>
+        </p:style>
+        <p:txBody>
+          <a:bodyPr rtlCol="0" anchor="ctr"/>
+          <a:lstStyle/>
+          <a:p>
+            <a:pPr algn="ctr"/>
+            <a:endParaRPr lang="en-US"/>
+          </a:p>
+        </p:txBody>
+      </p:sp>
+      <p:sp>
+        <p:nvSpPr>
+          <p:cNvPr id="32" name="Flèche : bas 31">
+            <a:extLst>
+              <a:ext uri="{FF2B5EF4-FFF2-40B4-BE49-F238E27FC236}">
+                <a16:creationId xmlns:a16="http://schemas.microsoft.com/office/drawing/2014/main" id="{3059F50F-A67A-4767-A10B-3866878AF357}"/>
+              </a:ext>
+            </a:extLst>
+          </p:cNvPr>
+          <p:cNvSpPr/>
+          <p:nvPr/>
+        </p:nvSpPr>
+        <p:spPr>
+          <a:xfrm rot="19606687">
+            <a:off x="5771242" y="1702528"/>
+            <a:ext cx="368985" cy="1594295"/>
+          </a:xfrm>
+          <a:prstGeom prst="downArrow">
+            <a:avLst/>
+          </a:prstGeom>
+          <a:solidFill>
+            <a:schemeClr val="accent1">
+              <a:alpha val="54000"/>
+            </a:schemeClr>
+          </a:solidFill>
+        </p:spPr>
+        <p:style>
+          <a:lnRef idx="2">
+            <a:schemeClr val="accent1">
+              <a:shade val="50000"/>
+            </a:schemeClr>
+          </a:lnRef>
+          <a:fillRef idx="1">
+            <a:schemeClr val="accent1"/>
+          </a:fillRef>
+          <a:effectRef idx="0">
+            <a:schemeClr val="accent1"/>
+          </a:effectRef>
+          <a:fontRef idx="minor">
+            <a:schemeClr val="lt1"/>
+          </a:fontRef>
+        </p:style>
+        <p:txBody>
+          <a:bodyPr rtlCol="0" anchor="ctr"/>
+          <a:lstStyle/>
+          <a:p>
+            <a:pPr algn="ctr"/>
+            <a:endParaRPr lang="en-US"/>
+          </a:p>
+        </p:txBody>
+      </p:sp>
+      <p:sp>
+        <p:nvSpPr>
+          <p:cNvPr id="33" name="Flèche : bas 32">
+            <a:extLst>
+              <a:ext uri="{FF2B5EF4-FFF2-40B4-BE49-F238E27FC236}">
+                <a16:creationId xmlns:a16="http://schemas.microsoft.com/office/drawing/2014/main" id="{D344454F-6A06-4A55-A3C2-F1304F8E043F}"/>
+              </a:ext>
+            </a:extLst>
+          </p:cNvPr>
+          <p:cNvSpPr/>
+          <p:nvPr/>
+        </p:nvSpPr>
+        <p:spPr>
+          <a:xfrm>
+            <a:off x="6747900" y="4273331"/>
+            <a:ext cx="368985" cy="525455"/>
+          </a:xfrm>
+          <a:prstGeom prst="downArrow">
+            <a:avLst/>
+          </a:prstGeom>
+          <a:solidFill>
+            <a:schemeClr val="accent1">
+              <a:alpha val="54000"/>
+            </a:schemeClr>
+          </a:solidFill>
+        </p:spPr>
+        <p:style>
+          <a:lnRef idx="2">
+            <a:schemeClr val="accent1">
+              <a:shade val="50000"/>
+            </a:schemeClr>
+          </a:lnRef>
+          <a:fillRef idx="1">
+            <a:schemeClr val="accent1"/>
+          </a:fillRef>
+          <a:effectRef idx="0">
+            <a:schemeClr val="accent1"/>
+          </a:effectRef>
+          <a:fontRef idx="minor">
+            <a:schemeClr val="lt1"/>
+          </a:fontRef>
+        </p:style>
+        <p:txBody>
+          <a:bodyPr rtlCol="0" anchor="ctr"/>
+          <a:lstStyle/>
+          <a:p>
+            <a:pPr algn="ctr"/>
+            <a:endParaRPr lang="en-US"/>
+          </a:p>
+        </p:txBody>
+      </p:sp>
+      <p:sp>
+        <p:nvSpPr>
+          <p:cNvPr id="36" name="Ellipse 35">
+            <a:extLst>
+              <a:ext uri="{FF2B5EF4-FFF2-40B4-BE49-F238E27FC236}">
+                <a16:creationId xmlns:a16="http://schemas.microsoft.com/office/drawing/2014/main" id="{C159A954-8F1A-4B9D-B939-854DF5870546}"/>
+              </a:ext>
+            </a:extLst>
+          </p:cNvPr>
+          <p:cNvSpPr/>
+          <p:nvPr/>
+        </p:nvSpPr>
+        <p:spPr>
+          <a:xfrm>
+            <a:off x="9763339" y="4584738"/>
+            <a:ext cx="599768" cy="300196"/>
+          </a:xfrm>
+          <a:prstGeom prst="ellipse">
+            <a:avLst/>
+          </a:prstGeom>
+        </p:spPr>
+        <p:style>
+          <a:lnRef idx="2">
+            <a:schemeClr val="accent1">
+              <a:shade val="50000"/>
+            </a:schemeClr>
+          </a:lnRef>
+          <a:fillRef idx="1">
+            <a:schemeClr val="accent1"/>
+          </a:fillRef>
+          <a:effectRef idx="0">
+            <a:schemeClr val="accent1"/>
+          </a:effectRef>
+          <a:fontRef idx="minor">
+            <a:schemeClr val="lt1"/>
+          </a:fontRef>
+        </p:style>
+        <p:txBody>
+          <a:bodyPr rtlCol="0" anchor="ctr"/>
+          <a:lstStyle/>
+          <a:p>
+            <a:pPr algn="ctr"/>
+            <a:endParaRPr lang="en-US"/>
+          </a:p>
+        </p:txBody>
+      </p:sp>
+      <p:sp>
+        <p:nvSpPr>
+          <p:cNvPr id="37" name="Ellipse 36">
+            <a:extLst>
+              <a:ext uri="{FF2B5EF4-FFF2-40B4-BE49-F238E27FC236}">
+                <a16:creationId xmlns:a16="http://schemas.microsoft.com/office/drawing/2014/main" id="{D4FA2F00-D8B7-4730-823C-C4C4A224DECC}"/>
+              </a:ext>
+            </a:extLst>
+          </p:cNvPr>
+          <p:cNvSpPr/>
+          <p:nvPr/>
+        </p:nvSpPr>
+        <p:spPr>
+          <a:xfrm>
+            <a:off x="9763339" y="4951403"/>
+            <a:ext cx="599768" cy="300196"/>
           </a:xfrm>
           <a:prstGeom prst="ellipse">
             <a:avLst/>
@@ -3955,20 +4630,16 @@
           <a:lstStyle/>
           <a:p>
             <a:pPr algn="ctr"/>
-            <a:r>
-              <a:rPr lang="fr-FR" sz="1200" dirty="0" err="1"/>
-              <a:t>oimFilterComponent</a:t>
-            </a:r>
-            <a:endParaRPr lang="fr-FR" sz="1200" dirty="0"/>
-          </a:p>
-        </p:txBody>
-      </p:sp>
-      <p:sp>
-        <p:nvSpPr>
-          <p:cNvPr id="22" name="Ellipse 21">
-            <a:extLst>
-              <a:ext uri="{FF2B5EF4-FFF2-40B4-BE49-F238E27FC236}">
-                <a16:creationId xmlns:a16="http://schemas.microsoft.com/office/drawing/2014/main" id="{79725351-B81C-46CD-BFD6-5A028F19F6CC}"/>
+            <a:endParaRPr lang="en-US"/>
+          </a:p>
+        </p:txBody>
+      </p:sp>
+      <p:sp>
+        <p:nvSpPr>
+          <p:cNvPr id="38" name="Ellipse 37">
+            <a:extLst>
+              <a:ext uri="{FF2B5EF4-FFF2-40B4-BE49-F238E27FC236}">
+                <a16:creationId xmlns:a16="http://schemas.microsoft.com/office/drawing/2014/main" id="{21ADFED2-C015-49D7-AE97-7A95F4C31058}"/>
               </a:ext>
             </a:extLst>
           </p:cNvPr>
@@ -3976,9 +4647,55 @@
           <p:nvPr/>
         </p:nvSpPr>
         <p:spPr>
-          <a:xfrm rot="20675642">
-            <a:off x="7917284" y="3104112"/>
-            <a:ext cx="1997654" cy="441083"/>
+          <a:xfrm>
+            <a:off x="9763339" y="5312592"/>
+            <a:ext cx="599768" cy="300196"/>
+          </a:xfrm>
+          <a:prstGeom prst="ellipse">
+            <a:avLst/>
+          </a:prstGeom>
+        </p:spPr>
+        <p:style>
+          <a:lnRef idx="2">
+            <a:schemeClr val="accent4">
+              <a:shade val="50000"/>
+            </a:schemeClr>
+          </a:lnRef>
+          <a:fillRef idx="1">
+            <a:schemeClr val="accent4"/>
+          </a:fillRef>
+          <a:effectRef idx="0">
+            <a:schemeClr val="accent4"/>
+          </a:effectRef>
+          <a:fontRef idx="minor">
+            <a:schemeClr val="lt1"/>
+          </a:fontRef>
+        </p:style>
+        <p:txBody>
+          <a:bodyPr rtlCol="0" anchor="ctr"/>
+          <a:lstStyle/>
+          <a:p>
+            <a:pPr algn="ctr"/>
+            <a:endParaRPr lang="en-US"/>
+          </a:p>
+        </p:txBody>
+      </p:sp>
+      <p:sp>
+        <p:nvSpPr>
+          <p:cNvPr id="39" name="Ellipse 38">
+            <a:extLst>
+              <a:ext uri="{FF2B5EF4-FFF2-40B4-BE49-F238E27FC236}">
+                <a16:creationId xmlns:a16="http://schemas.microsoft.com/office/drawing/2014/main" id="{38E39FC0-7BA2-46C1-A0D8-A80743C01EB7}"/>
+              </a:ext>
+            </a:extLst>
+          </p:cNvPr>
+          <p:cNvSpPr/>
+          <p:nvPr/>
+        </p:nvSpPr>
+        <p:spPr>
+          <a:xfrm>
+            <a:off x="9763339" y="5673781"/>
+            <a:ext cx="599768" cy="300196"/>
           </a:xfrm>
           <a:prstGeom prst="ellipse">
             <a:avLst/>
@@ -4005,24 +4722,164 @@
           <a:lstStyle/>
           <a:p>
             <a:pPr algn="ctr"/>
-            <a:r>
-              <a:rPr lang="fr-FR" sz="1200" dirty="0" err="1"/>
-              <a:t>Simulated</a:t>
-            </a:r>
-            <a:r>
-              <a:rPr lang="fr-FR" sz="1200" dirty="0"/>
-              <a:t> Data</a:t>
-            </a:r>
-            <a:endParaRPr lang="en-US" sz="1200" dirty="0"/>
-          </a:p>
-        </p:txBody>
-      </p:sp>
-      <p:sp>
-        <p:nvSpPr>
-          <p:cNvPr id="23" name="Ellipse 22">
-            <a:extLst>
-              <a:ext uri="{FF2B5EF4-FFF2-40B4-BE49-F238E27FC236}">
-                <a16:creationId xmlns:a16="http://schemas.microsoft.com/office/drawing/2014/main" id="{0FAE3FE3-0EF6-459E-BEEC-09E957CAE7F5}"/>
+            <a:endParaRPr lang="en-US"/>
+          </a:p>
+        </p:txBody>
+      </p:sp>
+      <p:sp>
+        <p:nvSpPr>
+          <p:cNvPr id="41" name="ZoneTexte 40">
+            <a:extLst>
+              <a:ext uri="{FF2B5EF4-FFF2-40B4-BE49-F238E27FC236}">
+                <a16:creationId xmlns:a16="http://schemas.microsoft.com/office/drawing/2014/main" id="{7C3872ED-3592-432A-A926-C7287CD42EBC}"/>
+              </a:ext>
+            </a:extLst>
+          </p:cNvPr>
+          <p:cNvSpPr txBox="1"/>
+          <p:nvPr/>
+        </p:nvSpPr>
+        <p:spPr>
+          <a:xfrm>
+            <a:off x="10335840" y="4507388"/>
+            <a:ext cx="1527982" cy="369332"/>
+          </a:xfrm>
+          <a:prstGeom prst="rect">
+            <a:avLst/>
+          </a:prstGeom>
+          <a:noFill/>
+        </p:spPr>
+        <p:txBody>
+          <a:bodyPr wrap="none" rtlCol="0">
+            <a:spAutoFit/>
+          </a:bodyPr>
+          <a:lstStyle/>
+          <a:p>
+            <a:r>
+              <a:rPr lang="fr-FR" dirty="0"/>
+              <a:t>Main modules</a:t>
+            </a:r>
+            <a:endParaRPr lang="en-US" dirty="0"/>
+          </a:p>
+        </p:txBody>
+      </p:sp>
+      <p:sp>
+        <p:nvSpPr>
+          <p:cNvPr id="42" name="ZoneTexte 41">
+            <a:extLst>
+              <a:ext uri="{FF2B5EF4-FFF2-40B4-BE49-F238E27FC236}">
+                <a16:creationId xmlns:a16="http://schemas.microsoft.com/office/drawing/2014/main" id="{A0734AA8-9677-4B01-BE1A-4708E8CF21CA}"/>
+              </a:ext>
+            </a:extLst>
+          </p:cNvPr>
+          <p:cNvSpPr txBox="1"/>
+          <p:nvPr/>
+        </p:nvSpPr>
+        <p:spPr>
+          <a:xfrm>
+            <a:off x="10349474" y="4876720"/>
+            <a:ext cx="1855573" cy="369332"/>
+          </a:xfrm>
+          <a:prstGeom prst="rect">
+            <a:avLst/>
+          </a:prstGeom>
+          <a:noFill/>
+        </p:spPr>
+        <p:txBody>
+          <a:bodyPr wrap="none" rtlCol="0">
+            <a:spAutoFit/>
+          </a:bodyPr>
+          <a:lstStyle/>
+          <a:p>
+            <a:r>
+              <a:rPr lang="fr-FR" dirty="0" err="1"/>
+              <a:t>Optional</a:t>
+            </a:r>
+            <a:r>
+              <a:rPr lang="fr-FR" dirty="0"/>
+              <a:t> modules</a:t>
+            </a:r>
+            <a:endParaRPr lang="en-US" dirty="0"/>
+          </a:p>
+        </p:txBody>
+      </p:sp>
+      <p:sp>
+        <p:nvSpPr>
+          <p:cNvPr id="43" name="ZoneTexte 42">
+            <a:extLst>
+              <a:ext uri="{FF2B5EF4-FFF2-40B4-BE49-F238E27FC236}">
+                <a16:creationId xmlns:a16="http://schemas.microsoft.com/office/drawing/2014/main" id="{71E627C0-CD8D-4440-995C-BB3AB7E81BBF}"/>
+              </a:ext>
+            </a:extLst>
+          </p:cNvPr>
+          <p:cNvSpPr txBox="1"/>
+          <p:nvPr/>
+        </p:nvSpPr>
+        <p:spPr>
+          <a:xfrm>
+            <a:off x="10363107" y="5269810"/>
+            <a:ext cx="774571" cy="369332"/>
+          </a:xfrm>
+          <a:prstGeom prst="rect">
+            <a:avLst/>
+          </a:prstGeom>
+          <a:noFill/>
+        </p:spPr>
+        <p:txBody>
+          <a:bodyPr wrap="none" rtlCol="0">
+            <a:spAutoFit/>
+          </a:bodyPr>
+          <a:lstStyle/>
+          <a:p>
+            <a:r>
+              <a:rPr lang="fr-FR" dirty="0"/>
+              <a:t>Inputs</a:t>
+            </a:r>
+            <a:endParaRPr lang="en-US" dirty="0"/>
+          </a:p>
+        </p:txBody>
+      </p:sp>
+      <p:sp>
+        <p:nvSpPr>
+          <p:cNvPr id="44" name="ZoneTexte 43">
+            <a:extLst>
+              <a:ext uri="{FF2B5EF4-FFF2-40B4-BE49-F238E27FC236}">
+                <a16:creationId xmlns:a16="http://schemas.microsoft.com/office/drawing/2014/main" id="{7381568F-1694-4C90-A36F-29B9498B7156}"/>
+              </a:ext>
+            </a:extLst>
+          </p:cNvPr>
+          <p:cNvSpPr txBox="1"/>
+          <p:nvPr/>
+        </p:nvSpPr>
+        <p:spPr>
+          <a:xfrm>
+            <a:off x="10363107" y="5612808"/>
+            <a:ext cx="946093" cy="369332"/>
+          </a:xfrm>
+          <a:prstGeom prst="rect">
+            <a:avLst/>
+          </a:prstGeom>
+          <a:noFill/>
+        </p:spPr>
+        <p:txBody>
+          <a:bodyPr wrap="none" rtlCol="0">
+            <a:spAutoFit/>
+          </a:bodyPr>
+          <a:lstStyle/>
+          <a:p>
+            <a:r>
+              <a:rPr lang="fr-FR" dirty="0"/>
+              <a:t>Outputs</a:t>
+            </a:r>
+            <a:endParaRPr lang="en-US" dirty="0"/>
+          </a:p>
+        </p:txBody>
+      </p:sp>
+      <p:sp>
+        <p:nvSpPr>
+          <p:cNvPr id="40" name="Ellipse 39">
+            <a:extLst>
+              <a:ext uri="{FF2B5EF4-FFF2-40B4-BE49-F238E27FC236}">
+                <a16:creationId xmlns:a16="http://schemas.microsoft.com/office/drawing/2014/main" id="{13FCDE78-7BF5-4CB3-A0DD-0A5E11A82701}"/>
               </a:ext>
             </a:extLst>
           </p:cNvPr>
@@ -4030,171 +4887,9 @@
           <p:nvPr/>
         </p:nvSpPr>
         <p:spPr>
-          <a:xfrm>
-            <a:off x="7956730" y="3565899"/>
-            <a:ext cx="1997654" cy="441083"/>
-          </a:xfrm>
-          <a:prstGeom prst="ellipse">
-            <a:avLst/>
-          </a:prstGeom>
-        </p:spPr>
-        <p:style>
-          <a:lnRef idx="2">
-            <a:schemeClr val="accent6">
-              <a:shade val="50000"/>
-            </a:schemeClr>
-          </a:lnRef>
-          <a:fillRef idx="1">
-            <a:schemeClr val="accent6"/>
-          </a:fillRef>
-          <a:effectRef idx="0">
-            <a:schemeClr val="accent6"/>
-          </a:effectRef>
-          <a:fontRef idx="minor">
-            <a:schemeClr val="lt1"/>
-          </a:fontRef>
-        </p:style>
-        <p:txBody>
-          <a:bodyPr rtlCol="0" anchor="ctr"/>
-          <a:lstStyle/>
-          <a:p>
-            <a:pPr algn="ctr"/>
-            <a:r>
-              <a:rPr lang="fr-FR" sz="1200" dirty="0"/>
-              <a:t>Data/Model </a:t>
-            </a:r>
-            <a:r>
-              <a:rPr lang="el-GR" sz="1200" dirty="0"/>
-              <a:t>χ</a:t>
-            </a:r>
-            <a:r>
-              <a:rPr lang="fr-FR" sz="1200" dirty="0"/>
-              <a:t>²</a:t>
-            </a:r>
-            <a:endParaRPr lang="en-US" sz="1200" dirty="0"/>
-          </a:p>
-        </p:txBody>
-      </p:sp>
-      <p:sp>
-        <p:nvSpPr>
-          <p:cNvPr id="24" name="Ellipse 23">
-            <a:extLst>
-              <a:ext uri="{FF2B5EF4-FFF2-40B4-BE49-F238E27FC236}">
-                <a16:creationId xmlns:a16="http://schemas.microsoft.com/office/drawing/2014/main" id="{2ECCCAA9-6387-43B5-B75A-22109A69944D}"/>
-              </a:ext>
-            </a:extLst>
-          </p:cNvPr>
-          <p:cNvSpPr/>
-          <p:nvPr/>
-        </p:nvSpPr>
-        <p:spPr>
-          <a:xfrm>
-            <a:off x="5072297" y="5865868"/>
-            <a:ext cx="1997654" cy="441083"/>
-          </a:xfrm>
-          <a:prstGeom prst="ellipse">
-            <a:avLst/>
-          </a:prstGeom>
-        </p:spPr>
-        <p:style>
-          <a:lnRef idx="2">
-            <a:schemeClr val="accent6">
-              <a:shade val="50000"/>
-            </a:schemeClr>
-          </a:lnRef>
-          <a:fillRef idx="1">
-            <a:schemeClr val="accent6"/>
-          </a:fillRef>
-          <a:effectRef idx="0">
-            <a:schemeClr val="accent6"/>
-          </a:effectRef>
-          <a:fontRef idx="minor">
-            <a:schemeClr val="lt1"/>
-          </a:fontRef>
-        </p:style>
-        <p:txBody>
-          <a:bodyPr rtlCol="0" anchor="ctr"/>
-          <a:lstStyle/>
-          <a:p>
-            <a:pPr algn="ctr"/>
-            <a:r>
-              <a:rPr lang="fr-FR" sz="1200" dirty="0"/>
-              <a:t>Best model + </a:t>
-            </a:r>
-            <a:r>
-              <a:rPr lang="fr-FR" sz="1200" dirty="0" err="1"/>
-              <a:t>uncertainties</a:t>
-            </a:r>
-            <a:endParaRPr lang="en-US" sz="1200" dirty="0"/>
-          </a:p>
-        </p:txBody>
-      </p:sp>
-      <p:sp>
-        <p:nvSpPr>
-          <p:cNvPr id="25" name="Ellipse 24">
-            <a:extLst>
-              <a:ext uri="{FF2B5EF4-FFF2-40B4-BE49-F238E27FC236}">
-                <a16:creationId xmlns:a16="http://schemas.microsoft.com/office/drawing/2014/main" id="{6DD947FE-8AEB-431E-AACE-84A6A07DE7D0}"/>
-              </a:ext>
-            </a:extLst>
-          </p:cNvPr>
-          <p:cNvSpPr/>
-          <p:nvPr/>
-        </p:nvSpPr>
-        <p:spPr>
-          <a:xfrm rot="653080">
-            <a:off x="7827709" y="3966214"/>
-            <a:ext cx="1997654" cy="441083"/>
-          </a:xfrm>
-          <a:prstGeom prst="ellipse">
-            <a:avLst/>
-          </a:prstGeom>
-        </p:spPr>
-        <p:style>
-          <a:lnRef idx="2">
-            <a:schemeClr val="accent6">
-              <a:shade val="50000"/>
-            </a:schemeClr>
-          </a:lnRef>
-          <a:fillRef idx="1">
-            <a:schemeClr val="accent6"/>
-          </a:fillRef>
-          <a:effectRef idx="0">
-            <a:schemeClr val="accent6"/>
-          </a:effectRef>
-          <a:fontRef idx="minor">
-            <a:schemeClr val="lt1"/>
-          </a:fontRef>
-        </p:style>
-        <p:txBody>
-          <a:bodyPr rtlCol="0" anchor="ctr"/>
-          <a:lstStyle/>
-          <a:p>
-            <a:pPr algn="ctr"/>
-            <a:r>
-              <a:rPr lang="fr-FR" sz="1200" dirty="0"/>
-              <a:t>Data/Model plots</a:t>
-            </a:r>
-            <a:endParaRPr lang="en-US" sz="1200" dirty="0"/>
-          </a:p>
-        </p:txBody>
-      </p:sp>
-      <p:sp>
-        <p:nvSpPr>
-          <p:cNvPr id="26" name="Ellipse 25">
-            <a:extLst>
-              <a:ext uri="{FF2B5EF4-FFF2-40B4-BE49-F238E27FC236}">
-                <a16:creationId xmlns:a16="http://schemas.microsoft.com/office/drawing/2014/main" id="{55A945BD-BD29-4CF5-BB4D-C103C59C5A48}"/>
-              </a:ext>
-            </a:extLst>
-          </p:cNvPr>
-          <p:cNvSpPr/>
-          <p:nvPr/>
-        </p:nvSpPr>
-        <p:spPr>
-          <a:xfrm rot="821017">
-            <a:off x="2043392" y="572470"/>
-            <a:ext cx="1997654" cy="441083"/>
+          <a:xfrm rot="20618223">
+            <a:off x="10176321" y="127876"/>
+            <a:ext cx="1482974" cy="240832"/>
           </a:xfrm>
           <a:prstGeom prst="ellipse">
             <a:avLst/>
@@ -4223,11 +4918,7 @@
             <a:pPr algn="ctr"/>
             <a:r>
               <a:rPr lang="fr-FR" sz="1200" dirty="0" err="1"/>
-              <a:t>Oifits</a:t>
-            </a:r>
-            <a:r>
-              <a:rPr lang="fr-FR" sz="1200" dirty="0"/>
-              <a:t> file</a:t>
+              <a:t>oimParam</a:t>
             </a:r>
             <a:endParaRPr lang="en-US" sz="1200" dirty="0"/>
           </a:p>
@@ -4235,10 +4926,10 @@
       </p:sp>
       <p:sp>
         <p:nvSpPr>
-          <p:cNvPr id="27" name="Ellipse 26">
-            <a:extLst>
-              <a:ext uri="{FF2B5EF4-FFF2-40B4-BE49-F238E27FC236}">
-                <a16:creationId xmlns:a16="http://schemas.microsoft.com/office/drawing/2014/main" id="{E3F6C239-49C6-481F-B84F-D0EABFFF33C2}"/>
+          <p:cNvPr id="47" name="Ellipse 46">
+            <a:extLst>
+              <a:ext uri="{FF2B5EF4-FFF2-40B4-BE49-F238E27FC236}">
+                <a16:creationId xmlns:a16="http://schemas.microsoft.com/office/drawing/2014/main" id="{A532EA80-981C-4540-BABC-392C79A305D3}"/>
               </a:ext>
             </a:extLst>
           </p:cNvPr>
@@ -4246,9 +4937,9 @@
           <p:nvPr/>
         </p:nvSpPr>
         <p:spPr>
-          <a:xfrm>
-            <a:off x="1949316" y="970406"/>
-            <a:ext cx="1997654" cy="441083"/>
+          <a:xfrm rot="21006644">
+            <a:off x="10263694" y="294769"/>
+            <a:ext cx="1482974" cy="240832"/>
           </a:xfrm>
           <a:prstGeom prst="ellipse">
             <a:avLst/>
@@ -4277,11 +4968,7 @@
             <a:pPr algn="ctr"/>
             <a:r>
               <a:rPr lang="fr-FR" sz="1200" dirty="0" err="1"/>
-              <a:t>Oifits</a:t>
-            </a:r>
-            <a:r>
-              <a:rPr lang="fr-FR" sz="1200" dirty="0"/>
-              <a:t> file</a:t>
+              <a:t>oimParam</a:t>
             </a:r>
             <a:endParaRPr lang="en-US" sz="1200" dirty="0"/>
           </a:p>
@@ -4289,10 +4976,10 @@
       </p:sp>
       <p:sp>
         <p:nvSpPr>
-          <p:cNvPr id="28" name="Ellipse 27">
-            <a:extLst>
-              <a:ext uri="{FF2B5EF4-FFF2-40B4-BE49-F238E27FC236}">
-                <a16:creationId xmlns:a16="http://schemas.microsoft.com/office/drawing/2014/main" id="{4BACFBA4-D73D-4E1C-ADBF-1AA4BB79130A}"/>
+          <p:cNvPr id="49" name="Ellipse 48">
+            <a:extLst>
+              <a:ext uri="{FF2B5EF4-FFF2-40B4-BE49-F238E27FC236}">
+                <a16:creationId xmlns:a16="http://schemas.microsoft.com/office/drawing/2014/main" id="{E2D07E41-59D1-490A-BEDA-47936CACD177}"/>
               </a:ext>
             </a:extLst>
           </p:cNvPr>
@@ -4300,331 +4987,9 @@
           <p:nvPr/>
         </p:nvSpPr>
         <p:spPr>
-          <a:xfrm>
-            <a:off x="2249017" y="3248983"/>
-            <a:ext cx="2360645" cy="1287625"/>
-          </a:xfrm>
-          <a:prstGeom prst="ellipse">
-            <a:avLst/>
-          </a:prstGeom>
-        </p:spPr>
-        <p:style>
-          <a:lnRef idx="2">
-            <a:schemeClr val="accent5">
-              <a:shade val="50000"/>
-            </a:schemeClr>
-          </a:lnRef>
-          <a:fillRef idx="1">
-            <a:schemeClr val="accent5"/>
-          </a:fillRef>
-          <a:effectRef idx="0">
-            <a:schemeClr val="accent5"/>
-          </a:effectRef>
-          <a:fontRef idx="minor">
-            <a:schemeClr val="lt1"/>
-          </a:fontRef>
-        </p:style>
-        <p:txBody>
-          <a:bodyPr rtlCol="0" anchor="ctr"/>
-          <a:lstStyle/>
-          <a:p>
-            <a:pPr algn="ctr"/>
-            <a:r>
-              <a:rPr lang="fr-FR" dirty="0" err="1"/>
-              <a:t>oimUtils</a:t>
-            </a:r>
-            <a:endParaRPr lang="en-US" dirty="0"/>
-          </a:p>
-        </p:txBody>
-      </p:sp>
-      <p:sp>
-        <p:nvSpPr>
-          <p:cNvPr id="29" name="Ellipse 28">
-            <a:extLst>
-              <a:ext uri="{FF2B5EF4-FFF2-40B4-BE49-F238E27FC236}">
-                <a16:creationId xmlns:a16="http://schemas.microsoft.com/office/drawing/2014/main" id="{D9554D4C-0A19-4018-9AB0-12DA159A193C}"/>
-              </a:ext>
-            </a:extLst>
-          </p:cNvPr>
-          <p:cNvSpPr/>
-          <p:nvPr/>
-        </p:nvSpPr>
-        <p:spPr>
-          <a:xfrm>
-            <a:off x="2301689" y="4434943"/>
-            <a:ext cx="2360645" cy="1287625"/>
-          </a:xfrm>
-          <a:prstGeom prst="ellipse">
-            <a:avLst/>
-          </a:prstGeom>
-        </p:spPr>
-        <p:style>
-          <a:lnRef idx="2">
-            <a:schemeClr val="accent5">
-              <a:shade val="50000"/>
-            </a:schemeClr>
-          </a:lnRef>
-          <a:fillRef idx="1">
-            <a:schemeClr val="accent5"/>
-          </a:fillRef>
-          <a:effectRef idx="0">
-            <a:schemeClr val="accent5"/>
-          </a:effectRef>
-          <a:fontRef idx="minor">
-            <a:schemeClr val="lt1"/>
-          </a:fontRef>
-        </p:style>
-        <p:txBody>
-          <a:bodyPr rtlCol="0" anchor="ctr"/>
-          <a:lstStyle/>
-          <a:p>
-            <a:pPr algn="ctr"/>
-            <a:r>
-              <a:rPr lang="fr-FR" dirty="0" err="1"/>
-              <a:t>oimPlots</a:t>
-            </a:r>
-            <a:endParaRPr lang="en-US" dirty="0"/>
-          </a:p>
-        </p:txBody>
-      </p:sp>
-      <p:sp>
-        <p:nvSpPr>
-          <p:cNvPr id="30" name="Ellipse 29">
-            <a:extLst>
-              <a:ext uri="{FF2B5EF4-FFF2-40B4-BE49-F238E27FC236}">
-                <a16:creationId xmlns:a16="http://schemas.microsoft.com/office/drawing/2014/main" id="{4798CA12-74FB-490E-8183-EC55BA52DA3D}"/>
-              </a:ext>
-            </a:extLst>
-          </p:cNvPr>
-          <p:cNvSpPr/>
-          <p:nvPr/>
-        </p:nvSpPr>
-        <p:spPr>
-          <a:xfrm>
-            <a:off x="7135069" y="5865868"/>
-            <a:ext cx="1997654" cy="441083"/>
-          </a:xfrm>
-          <a:prstGeom prst="ellipse">
-            <a:avLst/>
-          </a:prstGeom>
-        </p:spPr>
-        <p:style>
-          <a:lnRef idx="2">
-            <a:schemeClr val="accent6">
-              <a:shade val="50000"/>
-            </a:schemeClr>
-          </a:lnRef>
-          <a:fillRef idx="1">
-            <a:schemeClr val="accent6"/>
-          </a:fillRef>
-          <a:effectRef idx="0">
-            <a:schemeClr val="accent6"/>
-          </a:effectRef>
-          <a:fontRef idx="minor">
-            <a:schemeClr val="lt1"/>
-          </a:fontRef>
-        </p:style>
-        <p:txBody>
-          <a:bodyPr rtlCol="0" anchor="ctr"/>
-          <a:lstStyle/>
-          <a:p>
-            <a:pPr algn="ctr"/>
-            <a:r>
-              <a:rPr lang="fr-FR" sz="1200" dirty="0" err="1"/>
-              <a:t>Fitting</a:t>
-            </a:r>
-            <a:r>
-              <a:rPr lang="fr-FR" sz="1200" dirty="0"/>
-              <a:t> process </a:t>
-            </a:r>
-          </a:p>
-          <a:p>
-            <a:pPr algn="ctr"/>
-            <a:r>
-              <a:rPr lang="fr-FR" sz="1200" dirty="0"/>
-              <a:t>and </a:t>
-            </a:r>
-            <a:r>
-              <a:rPr lang="fr-FR" sz="1200" dirty="0" err="1"/>
-              <a:t>results</a:t>
-            </a:r>
-            <a:r>
-              <a:rPr lang="fr-FR" sz="1200" dirty="0"/>
-              <a:t> plots</a:t>
-            </a:r>
-            <a:endParaRPr lang="en-US" sz="1200" dirty="0"/>
-          </a:p>
-        </p:txBody>
-      </p:sp>
-      <p:sp>
-        <p:nvSpPr>
-          <p:cNvPr id="31" name="Flèche : bas 30">
-            <a:extLst>
-              <a:ext uri="{FF2B5EF4-FFF2-40B4-BE49-F238E27FC236}">
-                <a16:creationId xmlns:a16="http://schemas.microsoft.com/office/drawing/2014/main" id="{02527DB3-129F-46C6-938D-1D095742A131}"/>
-              </a:ext>
-            </a:extLst>
-          </p:cNvPr>
-          <p:cNvSpPr/>
-          <p:nvPr/>
-        </p:nvSpPr>
-        <p:spPr>
-          <a:xfrm rot="1242181">
-            <a:off x="7106573" y="1392991"/>
-            <a:ext cx="368985" cy="1893025"/>
-          </a:xfrm>
-          <a:prstGeom prst="downArrow">
-            <a:avLst/>
-          </a:prstGeom>
-          <a:solidFill>
-            <a:schemeClr val="accent1">
-              <a:alpha val="50000"/>
-            </a:schemeClr>
-          </a:solidFill>
-        </p:spPr>
-        <p:style>
-          <a:lnRef idx="2">
-            <a:schemeClr val="accent1">
-              <a:shade val="50000"/>
-            </a:schemeClr>
-          </a:lnRef>
-          <a:fillRef idx="1">
-            <a:schemeClr val="accent1"/>
-          </a:fillRef>
-          <a:effectRef idx="0">
-            <a:schemeClr val="accent1"/>
-          </a:effectRef>
-          <a:fontRef idx="minor">
-            <a:schemeClr val="lt1"/>
-          </a:fontRef>
-        </p:style>
-        <p:txBody>
-          <a:bodyPr rtlCol="0" anchor="ctr"/>
-          <a:lstStyle/>
-          <a:p>
-            <a:pPr algn="ctr"/>
-            <a:endParaRPr lang="en-US"/>
-          </a:p>
-        </p:txBody>
-      </p:sp>
-      <p:sp>
-        <p:nvSpPr>
-          <p:cNvPr id="32" name="Flèche : bas 31">
-            <a:extLst>
-              <a:ext uri="{FF2B5EF4-FFF2-40B4-BE49-F238E27FC236}">
-                <a16:creationId xmlns:a16="http://schemas.microsoft.com/office/drawing/2014/main" id="{3059F50F-A67A-4767-A10B-3866878AF357}"/>
-              </a:ext>
-            </a:extLst>
-          </p:cNvPr>
-          <p:cNvSpPr/>
-          <p:nvPr/>
-        </p:nvSpPr>
-        <p:spPr>
-          <a:xfrm rot="19606687">
-            <a:off x="5670016" y="1298243"/>
-            <a:ext cx="368985" cy="2093747"/>
-          </a:xfrm>
-          <a:prstGeom prst="downArrow">
-            <a:avLst/>
-          </a:prstGeom>
-          <a:solidFill>
-            <a:schemeClr val="accent1">
-              <a:alpha val="54000"/>
-            </a:schemeClr>
-          </a:solidFill>
-        </p:spPr>
-        <p:style>
-          <a:lnRef idx="2">
-            <a:schemeClr val="accent1">
-              <a:shade val="50000"/>
-            </a:schemeClr>
-          </a:lnRef>
-          <a:fillRef idx="1">
-            <a:schemeClr val="accent1"/>
-          </a:fillRef>
-          <a:effectRef idx="0">
-            <a:schemeClr val="accent1"/>
-          </a:effectRef>
-          <a:fontRef idx="minor">
-            <a:schemeClr val="lt1"/>
-          </a:fontRef>
-        </p:style>
-        <p:txBody>
-          <a:bodyPr rtlCol="0" anchor="ctr"/>
-          <a:lstStyle/>
-          <a:p>
-            <a:pPr algn="ctr"/>
-            <a:endParaRPr lang="en-US"/>
-          </a:p>
-        </p:txBody>
-      </p:sp>
-      <p:sp>
-        <p:nvSpPr>
-          <p:cNvPr id="33" name="Flèche : bas 32">
-            <a:extLst>
-              <a:ext uri="{FF2B5EF4-FFF2-40B4-BE49-F238E27FC236}">
-                <a16:creationId xmlns:a16="http://schemas.microsoft.com/office/drawing/2014/main" id="{D344454F-6A06-4A55-A3C2-F1304F8E043F}"/>
-              </a:ext>
-            </a:extLst>
-          </p:cNvPr>
-          <p:cNvSpPr/>
-          <p:nvPr/>
-        </p:nvSpPr>
-        <p:spPr>
-          <a:xfrm>
-            <a:off x="6747900" y="4085775"/>
-            <a:ext cx="368985" cy="997927"/>
-          </a:xfrm>
-          <a:prstGeom prst="downArrow">
-            <a:avLst/>
-          </a:prstGeom>
-          <a:solidFill>
-            <a:schemeClr val="accent1">
-              <a:alpha val="54000"/>
-            </a:schemeClr>
-          </a:solidFill>
-        </p:spPr>
-        <p:style>
-          <a:lnRef idx="2">
-            <a:schemeClr val="accent1">
-              <a:shade val="50000"/>
-            </a:schemeClr>
-          </a:lnRef>
-          <a:fillRef idx="1">
-            <a:schemeClr val="accent1"/>
-          </a:fillRef>
-          <a:effectRef idx="0">
-            <a:schemeClr val="accent1"/>
-          </a:effectRef>
-          <a:fontRef idx="minor">
-            <a:schemeClr val="lt1"/>
-          </a:fontRef>
-        </p:style>
-        <p:txBody>
-          <a:bodyPr rtlCol="0" anchor="ctr"/>
-          <a:lstStyle/>
-          <a:p>
-            <a:pPr algn="ctr"/>
-            <a:endParaRPr lang="en-US"/>
-          </a:p>
-        </p:txBody>
-      </p:sp>
-      <p:sp>
-        <p:nvSpPr>
-          <p:cNvPr id="35" name="Ellipse 34">
-            <a:extLst>
-              <a:ext uri="{FF2B5EF4-FFF2-40B4-BE49-F238E27FC236}">
-                <a16:creationId xmlns:a16="http://schemas.microsoft.com/office/drawing/2014/main" id="{909FD56E-23DA-4AA9-8976-3632DF925117}"/>
-              </a:ext>
-            </a:extLst>
-          </p:cNvPr>
-          <p:cNvSpPr/>
-          <p:nvPr/>
-        </p:nvSpPr>
-        <p:spPr>
-          <a:xfrm rot="20801374">
-            <a:off x="1983308" y="1404987"/>
-            <a:ext cx="1997654" cy="441083"/>
+          <a:xfrm rot="21064992">
+            <a:off x="10535772" y="842744"/>
+            <a:ext cx="1482974" cy="240832"/>
           </a:xfrm>
           <a:prstGeom prst="ellipse">
             <a:avLst/>
@@ -4652,16 +5017,8 @@
           <a:p>
             <a:pPr algn="ctr"/>
             <a:r>
-              <a:rPr lang="fr-FR" sz="1200" dirty="0"/>
-              <a:t>Flux (ascii, </a:t>
-            </a:r>
-            <a:r>
               <a:rPr lang="fr-FR" sz="1200" dirty="0" err="1"/>
-              <a:t>fits</a:t>
-            </a:r>
-            <a:r>
-              <a:rPr lang="fr-FR" sz="1200" dirty="0"/>
-              <a:t>…)</a:t>
+              <a:t>oimParam</a:t>
             </a:r>
             <a:endParaRPr lang="en-US" sz="1200" dirty="0"/>
           </a:p>
@@ -4669,10 +5026,10 @@
       </p:sp>
       <p:sp>
         <p:nvSpPr>
-          <p:cNvPr id="36" name="Ellipse 35">
-            <a:extLst>
-              <a:ext uri="{FF2B5EF4-FFF2-40B4-BE49-F238E27FC236}">
-                <a16:creationId xmlns:a16="http://schemas.microsoft.com/office/drawing/2014/main" id="{C159A954-8F1A-4B9D-B939-854DF5870546}"/>
+          <p:cNvPr id="50" name="Ellipse 49">
+            <a:extLst>
+              <a:ext uri="{FF2B5EF4-FFF2-40B4-BE49-F238E27FC236}">
+                <a16:creationId xmlns:a16="http://schemas.microsoft.com/office/drawing/2014/main" id="{AB3D8856-2C06-4F97-A8B6-3722663A14C1}"/>
               </a:ext>
             </a:extLst>
           </p:cNvPr>
@@ -4681,100 +5038,8 @@
         </p:nvSpPr>
         <p:spPr>
           <a:xfrm>
-            <a:off x="9763339" y="4584738"/>
-            <a:ext cx="599768" cy="300196"/>
-          </a:xfrm>
-          <a:prstGeom prst="ellipse">
-            <a:avLst/>
-          </a:prstGeom>
-        </p:spPr>
-        <p:style>
-          <a:lnRef idx="2">
-            <a:schemeClr val="accent1">
-              <a:shade val="50000"/>
-            </a:schemeClr>
-          </a:lnRef>
-          <a:fillRef idx="1">
-            <a:schemeClr val="accent1"/>
-          </a:fillRef>
-          <a:effectRef idx="0">
-            <a:schemeClr val="accent1"/>
-          </a:effectRef>
-          <a:fontRef idx="minor">
-            <a:schemeClr val="lt1"/>
-          </a:fontRef>
-        </p:style>
-        <p:txBody>
-          <a:bodyPr rtlCol="0" anchor="ctr"/>
-          <a:lstStyle/>
-          <a:p>
-            <a:pPr algn="ctr"/>
-            <a:endParaRPr lang="en-US"/>
-          </a:p>
-        </p:txBody>
-      </p:sp>
-      <p:sp>
-        <p:nvSpPr>
-          <p:cNvPr id="37" name="Ellipse 36">
-            <a:extLst>
-              <a:ext uri="{FF2B5EF4-FFF2-40B4-BE49-F238E27FC236}">
-                <a16:creationId xmlns:a16="http://schemas.microsoft.com/office/drawing/2014/main" id="{D4FA2F00-D8B7-4730-823C-C4C4A224DECC}"/>
-              </a:ext>
-            </a:extLst>
-          </p:cNvPr>
-          <p:cNvSpPr/>
-          <p:nvPr/>
-        </p:nvSpPr>
-        <p:spPr>
-          <a:xfrm>
-            <a:off x="9763339" y="4951403"/>
-            <a:ext cx="599768" cy="300196"/>
-          </a:xfrm>
-          <a:prstGeom prst="ellipse">
-            <a:avLst/>
-          </a:prstGeom>
-        </p:spPr>
-        <p:style>
-          <a:lnRef idx="2">
-            <a:schemeClr val="accent5">
-              <a:shade val="50000"/>
-            </a:schemeClr>
-          </a:lnRef>
-          <a:fillRef idx="1">
-            <a:schemeClr val="accent5"/>
-          </a:fillRef>
-          <a:effectRef idx="0">
-            <a:schemeClr val="accent5"/>
-          </a:effectRef>
-          <a:fontRef idx="minor">
-            <a:schemeClr val="lt1"/>
-          </a:fontRef>
-        </p:style>
-        <p:txBody>
-          <a:bodyPr rtlCol="0" anchor="ctr"/>
-          <a:lstStyle/>
-          <a:p>
-            <a:pPr algn="ctr"/>
-            <a:endParaRPr lang="en-US"/>
-          </a:p>
-        </p:txBody>
-      </p:sp>
-      <p:sp>
-        <p:nvSpPr>
-          <p:cNvPr id="38" name="Ellipse 37">
-            <a:extLst>
-              <a:ext uri="{FF2B5EF4-FFF2-40B4-BE49-F238E27FC236}">
-                <a16:creationId xmlns:a16="http://schemas.microsoft.com/office/drawing/2014/main" id="{21ADFED2-C015-49D7-AE97-7A95F4C31058}"/>
-              </a:ext>
-            </a:extLst>
-          </p:cNvPr>
-          <p:cNvSpPr/>
-          <p:nvPr/>
-        </p:nvSpPr>
-        <p:spPr>
-          <a:xfrm>
-            <a:off x="9763339" y="5312592"/>
-            <a:ext cx="599768" cy="300196"/>
+            <a:off x="10519799" y="984071"/>
+            <a:ext cx="1482974" cy="240832"/>
           </a:xfrm>
           <a:prstGeom prst="ellipse">
             <a:avLst/>
@@ -4801,16 +5066,20 @@
           <a:lstStyle/>
           <a:p>
             <a:pPr algn="ctr"/>
-            <a:endParaRPr lang="en-US"/>
-          </a:p>
-        </p:txBody>
-      </p:sp>
-      <p:sp>
-        <p:nvSpPr>
-          <p:cNvPr id="39" name="Ellipse 38">
-            <a:extLst>
-              <a:ext uri="{FF2B5EF4-FFF2-40B4-BE49-F238E27FC236}">
-                <a16:creationId xmlns:a16="http://schemas.microsoft.com/office/drawing/2014/main" id="{38E39FC0-7BA2-46C1-A0D8-A80743C01EB7}"/>
+            <a:r>
+              <a:rPr lang="fr-FR" sz="1200" dirty="0" err="1"/>
+              <a:t>oimParam</a:t>
+            </a:r>
+            <a:endParaRPr lang="en-US" sz="1200" dirty="0"/>
+          </a:p>
+        </p:txBody>
+      </p:sp>
+      <p:sp>
+        <p:nvSpPr>
+          <p:cNvPr id="51" name="Ellipse 50">
+            <a:extLst>
+              <a:ext uri="{FF2B5EF4-FFF2-40B4-BE49-F238E27FC236}">
+                <a16:creationId xmlns:a16="http://schemas.microsoft.com/office/drawing/2014/main" id="{39B5019A-05EB-43ED-A1E4-B8CDA8FCB83A}"/>
               </a:ext>
             </a:extLst>
           </p:cNvPr>
@@ -4818,9 +5087,9 @@
           <p:nvPr/>
         </p:nvSpPr>
         <p:spPr>
-          <a:xfrm>
-            <a:off x="9763339" y="5673781"/>
-            <a:ext cx="599768" cy="300196"/>
+          <a:xfrm rot="21415788">
+            <a:off x="10511579" y="1431134"/>
+            <a:ext cx="1482974" cy="240832"/>
           </a:xfrm>
           <a:prstGeom prst="ellipse">
             <a:avLst/>
@@ -4828,15 +5097,15 @@
         </p:spPr>
         <p:style>
           <a:lnRef idx="2">
-            <a:schemeClr val="accent6">
+            <a:schemeClr val="accent4">
               <a:shade val="50000"/>
             </a:schemeClr>
           </a:lnRef>
           <a:fillRef idx="1">
-            <a:schemeClr val="accent6"/>
+            <a:schemeClr val="accent4"/>
           </a:fillRef>
           <a:effectRef idx="0">
-            <a:schemeClr val="accent6"/>
+            <a:schemeClr val="accent4"/>
           </a:effectRef>
           <a:fontRef idx="minor">
             <a:schemeClr val="lt1"/>
@@ -4847,155 +5116,377 @@
           <a:lstStyle/>
           <a:p>
             <a:pPr algn="ctr"/>
-            <a:endParaRPr lang="en-US"/>
-          </a:p>
-        </p:txBody>
-      </p:sp>
-      <p:sp>
-        <p:nvSpPr>
-          <p:cNvPr id="41" name="ZoneTexte 40">
-            <a:extLst>
-              <a:ext uri="{FF2B5EF4-FFF2-40B4-BE49-F238E27FC236}">
-                <a16:creationId xmlns:a16="http://schemas.microsoft.com/office/drawing/2014/main" id="{7C3872ED-3592-432A-A926-C7287CD42EBC}"/>
-              </a:ext>
-            </a:extLst>
-          </p:cNvPr>
-          <p:cNvSpPr txBox="1"/>
+            <a:r>
+              <a:rPr lang="fr-FR" sz="1200" dirty="0" err="1"/>
+              <a:t>oimParam</a:t>
+            </a:r>
+            <a:endParaRPr lang="en-US" sz="1200" dirty="0"/>
+          </a:p>
+        </p:txBody>
+      </p:sp>
+      <p:sp>
+        <p:nvSpPr>
+          <p:cNvPr id="52" name="Ellipse 51">
+            <a:extLst>
+              <a:ext uri="{FF2B5EF4-FFF2-40B4-BE49-F238E27FC236}">
+                <a16:creationId xmlns:a16="http://schemas.microsoft.com/office/drawing/2014/main" id="{732F3C54-A47E-4184-85D6-609C243524B0}"/>
+              </a:ext>
+            </a:extLst>
+          </p:cNvPr>
+          <p:cNvSpPr/>
           <p:nvPr/>
         </p:nvSpPr>
         <p:spPr>
           <a:xfrm>
-            <a:off x="10335840" y="4507388"/>
-            <a:ext cx="1527982" cy="369332"/>
-          </a:xfrm>
-          <a:prstGeom prst="rect">
+            <a:off x="10318595" y="469240"/>
+            <a:ext cx="1482974" cy="240832"/>
+          </a:xfrm>
+          <a:prstGeom prst="ellipse">
             <a:avLst/>
           </a:prstGeom>
-          <a:noFill/>
-        </p:spPr>
-        <p:txBody>
-          <a:bodyPr wrap="none" rtlCol="0">
-            <a:spAutoFit/>
-          </a:bodyPr>
-          <a:lstStyle/>
-          <a:p>
-            <a:r>
-              <a:rPr lang="fr-FR" dirty="0"/>
-              <a:t>Main modules</a:t>
-            </a:r>
-            <a:endParaRPr lang="en-US" dirty="0"/>
-          </a:p>
-        </p:txBody>
-      </p:sp>
-      <p:sp>
-        <p:nvSpPr>
-          <p:cNvPr id="42" name="ZoneTexte 41">
-            <a:extLst>
-              <a:ext uri="{FF2B5EF4-FFF2-40B4-BE49-F238E27FC236}">
-                <a16:creationId xmlns:a16="http://schemas.microsoft.com/office/drawing/2014/main" id="{A0734AA8-9677-4B01-BE1A-4708E8CF21CA}"/>
-              </a:ext>
-            </a:extLst>
-          </p:cNvPr>
-          <p:cNvSpPr txBox="1"/>
+        </p:spPr>
+        <p:style>
+          <a:lnRef idx="2">
+            <a:schemeClr val="accent4">
+              <a:shade val="50000"/>
+            </a:schemeClr>
+          </a:lnRef>
+          <a:fillRef idx="1">
+            <a:schemeClr val="accent4"/>
+          </a:fillRef>
+          <a:effectRef idx="0">
+            <a:schemeClr val="accent4"/>
+          </a:effectRef>
+          <a:fontRef idx="minor">
+            <a:schemeClr val="lt1"/>
+          </a:fontRef>
+        </p:style>
+        <p:txBody>
+          <a:bodyPr rtlCol="0" anchor="ctr"/>
+          <a:lstStyle/>
+          <a:p>
+            <a:pPr algn="ctr"/>
+            <a:r>
+              <a:rPr lang="fr-FR" sz="1200" dirty="0" err="1"/>
+              <a:t>oimParam</a:t>
+            </a:r>
+            <a:endParaRPr lang="en-US" sz="1200" dirty="0"/>
+          </a:p>
+        </p:txBody>
+      </p:sp>
+      <p:sp>
+        <p:nvSpPr>
+          <p:cNvPr id="53" name="Ellipse 52">
+            <a:extLst>
+              <a:ext uri="{FF2B5EF4-FFF2-40B4-BE49-F238E27FC236}">
+                <a16:creationId xmlns:a16="http://schemas.microsoft.com/office/drawing/2014/main" id="{847125F3-3AEB-4BEE-935A-0DE8A0AEC39A}"/>
+              </a:ext>
+            </a:extLst>
+          </p:cNvPr>
+          <p:cNvSpPr/>
           <p:nvPr/>
         </p:nvSpPr>
         <p:spPr>
-          <a:xfrm>
-            <a:off x="10349474" y="4876720"/>
-            <a:ext cx="1855573" cy="369332"/>
-          </a:xfrm>
-          <a:prstGeom prst="rect">
+          <a:xfrm rot="439332">
+            <a:off x="10519799" y="1659199"/>
+            <a:ext cx="1482974" cy="240832"/>
+          </a:xfrm>
+          <a:prstGeom prst="ellipse">
             <a:avLst/>
           </a:prstGeom>
-          <a:noFill/>
-        </p:spPr>
-        <p:txBody>
-          <a:bodyPr wrap="none" rtlCol="0">
-            <a:spAutoFit/>
-          </a:bodyPr>
-          <a:lstStyle/>
-          <a:p>
-            <a:r>
-              <a:rPr lang="fr-FR" dirty="0" err="1"/>
-              <a:t>Optional</a:t>
-            </a:r>
-            <a:r>
-              <a:rPr lang="fr-FR" dirty="0"/>
-              <a:t> modules</a:t>
-            </a:r>
-            <a:endParaRPr lang="en-US" dirty="0"/>
-          </a:p>
-        </p:txBody>
-      </p:sp>
-      <p:sp>
-        <p:nvSpPr>
-          <p:cNvPr id="43" name="ZoneTexte 42">
-            <a:extLst>
-              <a:ext uri="{FF2B5EF4-FFF2-40B4-BE49-F238E27FC236}">
-                <a16:creationId xmlns:a16="http://schemas.microsoft.com/office/drawing/2014/main" id="{71E627C0-CD8D-4440-995C-BB3AB7E81BBF}"/>
-              </a:ext>
-            </a:extLst>
-          </p:cNvPr>
-          <p:cNvSpPr txBox="1"/>
+        </p:spPr>
+        <p:style>
+          <a:lnRef idx="2">
+            <a:schemeClr val="accent4">
+              <a:shade val="50000"/>
+            </a:schemeClr>
+          </a:lnRef>
+          <a:fillRef idx="1">
+            <a:schemeClr val="accent4"/>
+          </a:fillRef>
+          <a:effectRef idx="0">
+            <a:schemeClr val="accent4"/>
+          </a:effectRef>
+          <a:fontRef idx="minor">
+            <a:schemeClr val="lt1"/>
+          </a:fontRef>
+        </p:style>
+        <p:txBody>
+          <a:bodyPr rtlCol="0" anchor="ctr"/>
+          <a:lstStyle/>
+          <a:p>
+            <a:pPr algn="ctr"/>
+            <a:r>
+              <a:rPr lang="fr-FR" sz="1200" dirty="0" err="1"/>
+              <a:t>oimParam</a:t>
+            </a:r>
+            <a:endParaRPr lang="en-US" sz="1200" dirty="0"/>
+          </a:p>
+        </p:txBody>
+      </p:sp>
+      <p:sp>
+        <p:nvSpPr>
+          <p:cNvPr id="54" name="Ellipse 53">
+            <a:extLst>
+              <a:ext uri="{FF2B5EF4-FFF2-40B4-BE49-F238E27FC236}">
+                <a16:creationId xmlns:a16="http://schemas.microsoft.com/office/drawing/2014/main" id="{3B0D8064-C48E-4BA6-BEF4-E3939A641819}"/>
+              </a:ext>
+            </a:extLst>
+          </p:cNvPr>
+          <p:cNvSpPr/>
           <p:nvPr/>
         </p:nvSpPr>
         <p:spPr>
-          <a:xfrm>
-            <a:off x="10363107" y="5269810"/>
-            <a:ext cx="774571" cy="369332"/>
-          </a:xfrm>
-          <a:prstGeom prst="rect">
+          <a:xfrm rot="1043045">
+            <a:off x="10358947" y="1787577"/>
+            <a:ext cx="1482974" cy="240832"/>
+          </a:xfrm>
+          <a:prstGeom prst="ellipse">
             <a:avLst/>
           </a:prstGeom>
-          <a:noFill/>
-        </p:spPr>
-        <p:txBody>
-          <a:bodyPr wrap="none" rtlCol="0">
-            <a:spAutoFit/>
-          </a:bodyPr>
-          <a:lstStyle/>
-          <a:p>
-            <a:r>
-              <a:rPr lang="fr-FR" dirty="0"/>
-              <a:t>Inputs</a:t>
-            </a:r>
-            <a:endParaRPr lang="en-US" dirty="0"/>
-          </a:p>
-        </p:txBody>
-      </p:sp>
-      <p:sp>
-        <p:nvSpPr>
-          <p:cNvPr id="44" name="ZoneTexte 43">
-            <a:extLst>
-              <a:ext uri="{FF2B5EF4-FFF2-40B4-BE49-F238E27FC236}">
-                <a16:creationId xmlns:a16="http://schemas.microsoft.com/office/drawing/2014/main" id="{7381568F-1694-4C90-A36F-29B9498B7156}"/>
-              </a:ext>
-            </a:extLst>
-          </p:cNvPr>
-          <p:cNvSpPr txBox="1"/>
+        </p:spPr>
+        <p:style>
+          <a:lnRef idx="2">
+            <a:schemeClr val="accent4">
+              <a:shade val="50000"/>
+            </a:schemeClr>
+          </a:lnRef>
+          <a:fillRef idx="1">
+            <a:schemeClr val="accent4"/>
+          </a:fillRef>
+          <a:effectRef idx="0">
+            <a:schemeClr val="accent4"/>
+          </a:effectRef>
+          <a:fontRef idx="minor">
+            <a:schemeClr val="lt1"/>
+          </a:fontRef>
+        </p:style>
+        <p:txBody>
+          <a:bodyPr rtlCol="0" anchor="ctr"/>
+          <a:lstStyle/>
+          <a:p>
+            <a:pPr algn="ctr"/>
+            <a:r>
+              <a:rPr lang="fr-FR" sz="1200" dirty="0" err="1"/>
+              <a:t>oimParam</a:t>
+            </a:r>
+            <a:endParaRPr lang="en-US" sz="1200" dirty="0"/>
+          </a:p>
+        </p:txBody>
+      </p:sp>
+      <p:sp>
+        <p:nvSpPr>
+          <p:cNvPr id="55" name="Ellipse 54">
+            <a:extLst>
+              <a:ext uri="{FF2B5EF4-FFF2-40B4-BE49-F238E27FC236}">
+                <a16:creationId xmlns:a16="http://schemas.microsoft.com/office/drawing/2014/main" id="{B33E07C0-8CAD-4927-B386-1AE424165F7C}"/>
+              </a:ext>
+            </a:extLst>
+          </p:cNvPr>
+          <p:cNvSpPr/>
           <p:nvPr/>
         </p:nvSpPr>
         <p:spPr>
-          <a:xfrm>
-            <a:off x="10363107" y="5612808"/>
-            <a:ext cx="946093" cy="369332"/>
-          </a:xfrm>
-          <a:prstGeom prst="rect">
+          <a:xfrm rot="530789">
+            <a:off x="10578190" y="1154137"/>
+            <a:ext cx="1482974" cy="240832"/>
+          </a:xfrm>
+          <a:prstGeom prst="ellipse">
             <a:avLst/>
           </a:prstGeom>
-          <a:noFill/>
-        </p:spPr>
-        <p:txBody>
-          <a:bodyPr wrap="none" rtlCol="0">
-            <a:spAutoFit/>
-          </a:bodyPr>
-          <a:lstStyle/>
-          <a:p>
-            <a:r>
-              <a:rPr lang="fr-FR" dirty="0"/>
-              <a:t>Outputs</a:t>
-            </a:r>
-            <a:endParaRPr lang="en-US" dirty="0"/>
+        </p:spPr>
+        <p:style>
+          <a:lnRef idx="2">
+            <a:schemeClr val="accent4">
+              <a:shade val="50000"/>
+            </a:schemeClr>
+          </a:lnRef>
+          <a:fillRef idx="1">
+            <a:schemeClr val="accent4"/>
+          </a:fillRef>
+          <a:effectRef idx="0">
+            <a:schemeClr val="accent4"/>
+          </a:effectRef>
+          <a:fontRef idx="minor">
+            <a:schemeClr val="lt1"/>
+          </a:fontRef>
+        </p:style>
+        <p:txBody>
+          <a:bodyPr rtlCol="0" anchor="ctr"/>
+          <a:lstStyle/>
+          <a:p>
+            <a:pPr algn="ctr"/>
+            <a:r>
+              <a:rPr lang="fr-FR" sz="1200" dirty="0" err="1"/>
+              <a:t>oimParam</a:t>
+            </a:r>
+            <a:endParaRPr lang="en-US" sz="1200" dirty="0"/>
+          </a:p>
+        </p:txBody>
+      </p:sp>
+      <p:sp>
+        <p:nvSpPr>
+          <p:cNvPr id="56" name="Ellipse 55">
+            <a:extLst>
+              <a:ext uri="{FF2B5EF4-FFF2-40B4-BE49-F238E27FC236}">
+                <a16:creationId xmlns:a16="http://schemas.microsoft.com/office/drawing/2014/main" id="{2E83E95B-A86B-4A6A-BE2C-4E4C19AAE4D8}"/>
+              </a:ext>
+            </a:extLst>
+          </p:cNvPr>
+          <p:cNvSpPr/>
+          <p:nvPr/>
+        </p:nvSpPr>
+        <p:spPr>
+          <a:xfrm rot="821017">
+            <a:off x="2179563" y="698391"/>
+            <a:ext cx="1997654" cy="441083"/>
+          </a:xfrm>
+          <a:prstGeom prst="ellipse">
+            <a:avLst/>
+          </a:prstGeom>
+        </p:spPr>
+        <p:style>
+          <a:lnRef idx="2">
+            <a:schemeClr val="accent4">
+              <a:shade val="50000"/>
+            </a:schemeClr>
+          </a:lnRef>
+          <a:fillRef idx="1">
+            <a:schemeClr val="accent4"/>
+          </a:fillRef>
+          <a:effectRef idx="0">
+            <a:schemeClr val="accent4"/>
+          </a:effectRef>
+          <a:fontRef idx="minor">
+            <a:schemeClr val="lt1"/>
+          </a:fontRef>
+        </p:style>
+        <p:txBody>
+          <a:bodyPr rtlCol="0" anchor="ctr"/>
+          <a:lstStyle/>
+          <a:p>
+            <a:pPr algn="ctr"/>
+            <a:r>
+              <a:rPr lang="fr-FR" sz="1200" dirty="0" err="1"/>
+              <a:t>Oifits</a:t>
+            </a:r>
+            <a:r>
+              <a:rPr lang="fr-FR" sz="1200" dirty="0"/>
+              <a:t> file</a:t>
+            </a:r>
+            <a:endParaRPr lang="en-US" sz="1200" dirty="0"/>
+          </a:p>
+        </p:txBody>
+      </p:sp>
+      <p:sp>
+        <p:nvSpPr>
+          <p:cNvPr id="27" name="Ellipse 26">
+            <a:extLst>
+              <a:ext uri="{FF2B5EF4-FFF2-40B4-BE49-F238E27FC236}">
+                <a16:creationId xmlns:a16="http://schemas.microsoft.com/office/drawing/2014/main" id="{E3F6C239-49C6-481F-B84F-D0EABFFF33C2}"/>
+              </a:ext>
+            </a:extLst>
+          </p:cNvPr>
+          <p:cNvSpPr/>
+          <p:nvPr/>
+        </p:nvSpPr>
+        <p:spPr>
+          <a:xfrm>
+            <a:off x="2113868" y="1009799"/>
+            <a:ext cx="1997654" cy="441083"/>
+          </a:xfrm>
+          <a:prstGeom prst="ellipse">
+            <a:avLst/>
+          </a:prstGeom>
+        </p:spPr>
+        <p:style>
+          <a:lnRef idx="2">
+            <a:schemeClr val="accent4">
+              <a:shade val="50000"/>
+            </a:schemeClr>
+          </a:lnRef>
+          <a:fillRef idx="1">
+            <a:schemeClr val="accent4"/>
+          </a:fillRef>
+          <a:effectRef idx="0">
+            <a:schemeClr val="accent4"/>
+          </a:effectRef>
+          <a:fontRef idx="minor">
+            <a:schemeClr val="lt1"/>
+          </a:fontRef>
+        </p:style>
+        <p:txBody>
+          <a:bodyPr rtlCol="0" anchor="ctr"/>
+          <a:lstStyle/>
+          <a:p>
+            <a:pPr algn="ctr"/>
+            <a:r>
+              <a:rPr lang="fr-FR" sz="1200" dirty="0" err="1"/>
+              <a:t>Oifits</a:t>
+            </a:r>
+            <a:r>
+              <a:rPr lang="fr-FR" sz="1200" dirty="0"/>
+              <a:t> file</a:t>
+            </a:r>
+            <a:endParaRPr lang="en-US" sz="1200" dirty="0"/>
+          </a:p>
+        </p:txBody>
+      </p:sp>
+      <p:sp>
+        <p:nvSpPr>
+          <p:cNvPr id="35" name="Ellipse 34">
+            <a:extLst>
+              <a:ext uri="{FF2B5EF4-FFF2-40B4-BE49-F238E27FC236}">
+                <a16:creationId xmlns:a16="http://schemas.microsoft.com/office/drawing/2014/main" id="{909FD56E-23DA-4AA9-8976-3632DF925117}"/>
+              </a:ext>
+            </a:extLst>
+          </p:cNvPr>
+          <p:cNvSpPr/>
+          <p:nvPr/>
+        </p:nvSpPr>
+        <p:spPr>
+          <a:xfrm rot="20801374">
+            <a:off x="2138370" y="1327139"/>
+            <a:ext cx="1997654" cy="441083"/>
+          </a:xfrm>
+          <a:prstGeom prst="ellipse">
+            <a:avLst/>
+          </a:prstGeom>
+        </p:spPr>
+        <p:style>
+          <a:lnRef idx="2">
+            <a:schemeClr val="accent4">
+              <a:shade val="50000"/>
+            </a:schemeClr>
+          </a:lnRef>
+          <a:fillRef idx="1">
+            <a:schemeClr val="accent4"/>
+          </a:fillRef>
+          <a:effectRef idx="0">
+            <a:schemeClr val="accent4"/>
+          </a:effectRef>
+          <a:fontRef idx="minor">
+            <a:schemeClr val="lt1"/>
+          </a:fontRef>
+        </p:style>
+        <p:txBody>
+          <a:bodyPr rtlCol="0" anchor="ctr"/>
+          <a:lstStyle/>
+          <a:p>
+            <a:pPr algn="ctr"/>
+            <a:r>
+              <a:rPr lang="fr-FR" sz="1200" dirty="0"/>
+              <a:t>Flux (ascii, </a:t>
+            </a:r>
+            <a:r>
+              <a:rPr lang="fr-FR" sz="1200" dirty="0" err="1"/>
+              <a:t>fits</a:t>
+            </a:r>
+            <a:r>
+              <a:rPr lang="fr-FR" sz="1200" dirty="0"/>
+              <a:t>…)</a:t>
+            </a:r>
+            <a:endParaRPr lang="en-US" sz="1200" dirty="0"/>
           </a:p>
         </p:txBody>
       </p:sp>
